--- a/lbj/MUBAN.pptx
+++ b/lbj/MUBAN.pptx
@@ -19,11 +19,13 @@
     <p:sldId id="790" r:id="rId12"/>
     <p:sldId id="791" r:id="rId13"/>
     <p:sldId id="794" r:id="rId14"/>
-    <p:sldId id="796" r:id="rId15"/>
-    <p:sldId id="800" r:id="rId16"/>
-    <p:sldId id="792" r:id="rId17"/>
-    <p:sldId id="785" r:id="rId18"/>
-    <p:sldId id="393" r:id="rId19"/>
+    <p:sldId id="803" r:id="rId15"/>
+    <p:sldId id="796" r:id="rId16"/>
+    <p:sldId id="800" r:id="rId17"/>
+    <p:sldId id="801" r:id="rId18"/>
+    <p:sldId id="792" r:id="rId19"/>
+    <p:sldId id="785" r:id="rId20"/>
+    <p:sldId id="393" r:id="rId21"/>
   </p:sldIdLst>
   <p:sldSz cx="12240895" cy="7200900"/>
   <p:notesSz cx="6858000" cy="9144000"/>
@@ -172,12 +174,14 @@
             <p14:sldId id="790"/>
             <p14:sldId id="791"/>
             <p14:sldId id="783"/>
-            <p14:sldId id="792"/>
             <p14:sldId id="787"/>
             <p14:sldId id="786"/>
             <p14:sldId id="794"/>
+            <p14:sldId id="792"/>
             <p14:sldId id="796"/>
+            <p14:sldId id="801"/>
             <p14:sldId id="800"/>
+            <p14:sldId id="803"/>
           </p14:sldIdLst>
         </p14:section>
         <p14:section name="默认节" id="{F9BF88E2-D508-E34C-8F46-83BB6E9AC942}">
@@ -1668,6 +1672,304 @@
 </file>
 
 <file path=ppt/notesSlides/notesSlide16.xml><?xml version="1.0" encoding="utf-8"?>
+<p:notes xmlns:a="http://schemas.openxmlformats.org/drawingml/2006/main" xmlns:r="http://schemas.openxmlformats.org/officeDocument/2006/relationships" xmlns:p="http://schemas.openxmlformats.org/presentationml/2006/main">
+  <p:cSld>
+    <p:spTree>
+      <p:nvGrpSpPr>
+        <p:cNvPr id="1" name=""/>
+        <p:cNvGrpSpPr/>
+        <p:nvPr/>
+      </p:nvGrpSpPr>
+      <p:grpSpPr>
+        <a:xfrm>
+          <a:off x="0" y="0"/>
+          <a:ext cx="0" cy="0"/>
+          <a:chOff x="0" y="0"/>
+          <a:chExt cx="0" cy="0"/>
+        </a:xfrm>
+      </p:grpSpPr>
+      <p:sp>
+        <p:nvSpPr>
+          <p:cNvPr id="87042" name="幻灯片图像占位符 1"/>
+          <p:cNvSpPr>
+            <a:spLocks noGrp="1" noRot="1" noChangeAspect="1" noTextEdit="1"/>
+          </p:cNvSpPr>
+          <p:nvPr>
+            <p:ph type="sldImg"/>
+          </p:nvPr>
+        </p:nvSpPr>
+        <p:spPr/>
+      </p:sp>
+      <p:sp>
+        <p:nvSpPr>
+          <p:cNvPr id="87043" name="备注占位符 2"/>
+          <p:cNvSpPr>
+            <a:spLocks noGrp="1"/>
+          </p:cNvSpPr>
+          <p:nvPr>
+            <p:ph type="body" idx="1"/>
+          </p:nvPr>
+        </p:nvSpPr>
+        <p:spPr>
+          <a:noFill/>
+        </p:spPr>
+        <p:txBody>
+          <a:bodyPr/>
+          <a:lstStyle/>
+          <a:p>
+            <a:pPr marL="0" marR="0" indent="0" algn="l" defTabSz="914400" rtl="0" eaLnBrk="0" fontAlgn="base" latinLnBrk="0" hangingPunct="0">
+              <a:lnSpc>
+                <a:spcPct val="100000"/>
+              </a:lnSpc>
+              <a:spcBef>
+                <a:spcPct val="30000"/>
+              </a:spcBef>
+              <a:spcAft>
+                <a:spcPct val="0"/>
+              </a:spcAft>
+              <a:buClrTx/>
+              <a:buSzTx/>
+              <a:buFontTx/>
+              <a:buNone/>
+              <a:defRPr/>
+            </a:pPr>
+            <a:endParaRPr lang="zh-CN" altLang="en-US" sz="1200" i="1" u="sng" dirty="0">
+              <a:solidFill>
+                <a:srgbClr val="FF0000"/>
+              </a:solidFill>
+              <a:latin typeface="微软雅黑" panose="020B0503020204020204" pitchFamily="34" charset="-122"/>
+              <a:ea typeface="微软雅黑" panose="020B0503020204020204" pitchFamily="34" charset="-122"/>
+            </a:endParaRPr>
+          </a:p>
+        </p:txBody>
+      </p:sp>
+      <p:sp>
+        <p:nvSpPr>
+          <p:cNvPr id="87044" name="灯片编号占位符 3"/>
+          <p:cNvSpPr>
+            <a:spLocks noGrp="1"/>
+          </p:cNvSpPr>
+          <p:nvPr>
+            <p:ph type="sldNum" sz="quarter" idx="5"/>
+          </p:nvPr>
+        </p:nvSpPr>
+        <p:spPr>
+          <a:noFill/>
+          <a:ln>
+            <a:miter lim="800000"/>
+          </a:ln>
+        </p:spPr>
+        <p:txBody>
+          <a:bodyPr/>
+          <a:lstStyle/>
+          <a:p>
+            <a:pPr marL="0" marR="0" lvl="0" indent="0" algn="r" defTabSz="914400" rtl="0" eaLnBrk="1" fontAlgn="base" latinLnBrk="0" hangingPunct="1">
+              <a:lnSpc>
+                <a:spcPct val="100000"/>
+              </a:lnSpc>
+              <a:spcBef>
+                <a:spcPct val="0"/>
+              </a:spcBef>
+              <a:spcAft>
+                <a:spcPct val="0"/>
+              </a:spcAft>
+              <a:buClrTx/>
+              <a:buSzTx/>
+              <a:buFont typeface="Arial" panose="020B0604020202090204" pitchFamily="34" charset="0"/>
+              <a:buNone/>
+              <a:defRPr/>
+            </a:pPr>
+            <a:fld id="{0F8A4FA2-0747-4ABC-884F-A0C75DF7D298}" type="slidenum">
+              <a:rPr kumimoji="0" lang="zh-CN" altLang="en-US" sz="1200" b="0" i="0" u="none" strike="noStrike" kern="1200" cap="none" spc="0" normalizeH="0" baseline="0" noProof="0" smtClean="0">
+                <a:ln>
+                  <a:noFill/>
+                </a:ln>
+                <a:solidFill>
+                  <a:srgbClr val="000000"/>
+                </a:solidFill>
+                <a:effectLst/>
+                <a:uLnTx/>
+                <a:uFillTx/>
+                <a:latin typeface="Arial" panose="020B0604020202090204" pitchFamily="34" charset="0"/>
+                <a:ea typeface="宋体" panose="02010600030101010101" pitchFamily="2" charset="-122"/>
+                <a:cs typeface="+mn-cs"/>
+              </a:rPr>
+            </a:fld>
+            <a:endParaRPr kumimoji="0" lang="en-US" altLang="zh-CN" sz="1200" b="0" i="0" u="none" strike="noStrike" kern="1200" cap="none" spc="0" normalizeH="0" baseline="0" noProof="0">
+              <a:ln>
+                <a:noFill/>
+              </a:ln>
+              <a:solidFill>
+                <a:srgbClr val="000000"/>
+              </a:solidFill>
+              <a:effectLst/>
+              <a:uLnTx/>
+              <a:uFillTx/>
+              <a:latin typeface="Arial" panose="020B0604020202090204" pitchFamily="34" charset="0"/>
+              <a:ea typeface="宋体" panose="02010600030101010101" pitchFamily="2" charset="-122"/>
+              <a:cs typeface="+mn-cs"/>
+            </a:endParaRPr>
+          </a:p>
+        </p:txBody>
+      </p:sp>
+    </p:spTree>
+  </p:cSld>
+  <p:clrMapOvr>
+    <a:masterClrMapping/>
+  </p:clrMapOvr>
+</p:notes>
+</file>
+
+<file path=ppt/notesSlides/notesSlide17.xml><?xml version="1.0" encoding="utf-8"?>
+<p:notes xmlns:a="http://schemas.openxmlformats.org/drawingml/2006/main" xmlns:r="http://schemas.openxmlformats.org/officeDocument/2006/relationships" xmlns:p="http://schemas.openxmlformats.org/presentationml/2006/main">
+  <p:cSld>
+    <p:spTree>
+      <p:nvGrpSpPr>
+        <p:cNvPr id="1" name=""/>
+        <p:cNvGrpSpPr/>
+        <p:nvPr/>
+      </p:nvGrpSpPr>
+      <p:grpSpPr>
+        <a:xfrm>
+          <a:off x="0" y="0"/>
+          <a:ext cx="0" cy="0"/>
+          <a:chOff x="0" y="0"/>
+          <a:chExt cx="0" cy="0"/>
+        </a:xfrm>
+      </p:grpSpPr>
+      <p:sp>
+        <p:nvSpPr>
+          <p:cNvPr id="87042" name="幻灯片图像占位符 1"/>
+          <p:cNvSpPr>
+            <a:spLocks noGrp="1" noRot="1" noChangeAspect="1" noTextEdit="1"/>
+          </p:cNvSpPr>
+          <p:nvPr>
+            <p:ph type="sldImg"/>
+          </p:nvPr>
+        </p:nvSpPr>
+        <p:spPr/>
+      </p:sp>
+      <p:sp>
+        <p:nvSpPr>
+          <p:cNvPr id="87043" name="备注占位符 2"/>
+          <p:cNvSpPr>
+            <a:spLocks noGrp="1"/>
+          </p:cNvSpPr>
+          <p:nvPr>
+            <p:ph type="body" idx="1"/>
+          </p:nvPr>
+        </p:nvSpPr>
+        <p:spPr>
+          <a:noFill/>
+        </p:spPr>
+        <p:txBody>
+          <a:bodyPr/>
+          <a:lstStyle/>
+          <a:p>
+            <a:pPr marL="0" marR="0" indent="0" algn="l" defTabSz="914400" rtl="0" eaLnBrk="0" fontAlgn="base" latinLnBrk="0" hangingPunct="0">
+              <a:lnSpc>
+                <a:spcPct val="100000"/>
+              </a:lnSpc>
+              <a:spcBef>
+                <a:spcPct val="30000"/>
+              </a:spcBef>
+              <a:spcAft>
+                <a:spcPct val="0"/>
+              </a:spcAft>
+              <a:buClrTx/>
+              <a:buSzTx/>
+              <a:buFontTx/>
+              <a:buNone/>
+              <a:defRPr/>
+            </a:pPr>
+            <a:endParaRPr lang="zh-CN" altLang="en-US" sz="1200" i="1" u="sng" dirty="0">
+              <a:solidFill>
+                <a:srgbClr val="FF0000"/>
+              </a:solidFill>
+              <a:latin typeface="微软雅黑" panose="020B0503020204020204" pitchFamily="34" charset="-122"/>
+              <a:ea typeface="微软雅黑" panose="020B0503020204020204" pitchFamily="34" charset="-122"/>
+            </a:endParaRPr>
+          </a:p>
+        </p:txBody>
+      </p:sp>
+      <p:sp>
+        <p:nvSpPr>
+          <p:cNvPr id="87044" name="灯片编号占位符 3"/>
+          <p:cNvSpPr>
+            <a:spLocks noGrp="1"/>
+          </p:cNvSpPr>
+          <p:nvPr>
+            <p:ph type="sldNum" sz="quarter" idx="5"/>
+          </p:nvPr>
+        </p:nvSpPr>
+        <p:spPr>
+          <a:noFill/>
+          <a:ln>
+            <a:miter lim="800000"/>
+          </a:ln>
+        </p:spPr>
+        <p:txBody>
+          <a:bodyPr/>
+          <a:lstStyle/>
+          <a:p>
+            <a:pPr marL="0" marR="0" lvl="0" indent="0" algn="r" defTabSz="914400" rtl="0" eaLnBrk="1" fontAlgn="base" latinLnBrk="0" hangingPunct="1">
+              <a:lnSpc>
+                <a:spcPct val="100000"/>
+              </a:lnSpc>
+              <a:spcBef>
+                <a:spcPct val="0"/>
+              </a:spcBef>
+              <a:spcAft>
+                <a:spcPct val="0"/>
+              </a:spcAft>
+              <a:buClrTx/>
+              <a:buSzTx/>
+              <a:buFont typeface="Arial" panose="020B0604020202090204" pitchFamily="34" charset="0"/>
+              <a:buNone/>
+              <a:defRPr/>
+            </a:pPr>
+            <a:fld id="{0F8A4FA2-0747-4ABC-884F-A0C75DF7D298}" type="slidenum">
+              <a:rPr kumimoji="0" lang="zh-CN" altLang="en-US" sz="1200" b="0" i="0" u="none" strike="noStrike" kern="1200" cap="none" spc="0" normalizeH="0" baseline="0" noProof="0" smtClean="0">
+                <a:ln>
+                  <a:noFill/>
+                </a:ln>
+                <a:solidFill>
+                  <a:srgbClr val="000000"/>
+                </a:solidFill>
+                <a:effectLst/>
+                <a:uLnTx/>
+                <a:uFillTx/>
+                <a:latin typeface="Arial" panose="020B0604020202090204" pitchFamily="34" charset="0"/>
+                <a:ea typeface="宋体" panose="02010600030101010101" pitchFamily="2" charset="-122"/>
+                <a:cs typeface="+mn-cs"/>
+              </a:rPr>
+            </a:fld>
+            <a:endParaRPr kumimoji="0" lang="en-US" altLang="zh-CN" sz="1200" b="0" i="0" u="none" strike="noStrike" kern="1200" cap="none" spc="0" normalizeH="0" baseline="0" noProof="0">
+              <a:ln>
+                <a:noFill/>
+              </a:ln>
+              <a:solidFill>
+                <a:srgbClr val="000000"/>
+              </a:solidFill>
+              <a:effectLst/>
+              <a:uLnTx/>
+              <a:uFillTx/>
+              <a:latin typeface="Arial" panose="020B0604020202090204" pitchFamily="34" charset="0"/>
+              <a:ea typeface="宋体" panose="02010600030101010101" pitchFamily="2" charset="-122"/>
+              <a:cs typeface="+mn-cs"/>
+            </a:endParaRPr>
+          </a:p>
+        </p:txBody>
+      </p:sp>
+    </p:spTree>
+  </p:cSld>
+  <p:clrMapOvr>
+    <a:masterClrMapping/>
+  </p:clrMapOvr>
+</p:notes>
+</file>
+
+<file path=ppt/notesSlides/notesSlide18.xml><?xml version="1.0" encoding="utf-8"?>
 <p:notes xmlns:a="http://schemas.openxmlformats.org/drawingml/2006/main" xmlns:r="http://schemas.openxmlformats.org/officeDocument/2006/relationships" xmlns:p="http://schemas.openxmlformats.org/presentationml/2006/main">
   <p:cSld>
     <p:spTree>
@@ -8093,7 +8395,7 @@
               <a:defRPr/>
             </a:pPr>
             <a:r>
-              <a:rPr kumimoji="0" lang="zh-CN" altLang="en-US" sz="2800" b="0" i="0" u="none" strike="noStrike" kern="1200" cap="none" spc="0" normalizeH="0" baseline="0" noProof="0" dirty="0" smtClean="0">
+              <a:rPr kumimoji="0" lang="en-US" altLang="zh-CN" sz="2800" b="0" i="0" u="none" strike="noStrike" kern="1200" cap="none" spc="0" normalizeH="0" baseline="0" noProof="0" dirty="0" smtClean="0">
                 <a:ln>
                   <a:noFill/>
                 </a:ln>
@@ -8107,9 +8409,9 @@
                 <a:ea typeface="微软雅黑" panose="020B0503020204020204" pitchFamily="34" charset="-122"/>
                 <a:cs typeface="+mn-cs"/>
               </a:rPr>
-              <a:t>不加锁的一致性读</a:t>
-            </a:r>
-            <a:endParaRPr kumimoji="0" lang="zh-CN" altLang="en-US" sz="2800" b="0" i="0" u="none" strike="noStrike" kern="1200" cap="none" spc="0" normalizeH="0" baseline="0" noProof="0" dirty="0" smtClean="0">
+              <a:t>MVCC</a:t>
+            </a:r>
+            <a:endParaRPr kumimoji="0" lang="en-US" altLang="zh-CN" sz="2800" b="0" i="0" u="none" strike="noStrike" kern="1200" cap="none" spc="0" normalizeH="0" baseline="0" noProof="0" dirty="0" smtClean="0">
               <a:ln>
                 <a:noFill/>
               </a:ln>
@@ -8137,84 +8439,7 @@
         <p:spPr bwMode="auto">
           <a:xfrm>
             <a:off x="809625" y="1724025"/>
-            <a:ext cx="9572625" cy="1016000"/>
-          </a:xfrm>
-          <a:prstGeom prst="rect">
-            <a:avLst/>
-          </a:prstGeom>
-          <a:noFill/>
-          <a:ln w="9525">
-            <a:noFill/>
-            <a:miter lim="800000"/>
-          </a:ln>
-        </p:spPr>
-        <p:txBody>
-          <a:bodyPr wrap="square" lIns="93315" tIns="46657" rIns="93315" bIns="46657">
-            <a:spAutoFit/>
-          </a:bodyPr>
-          <a:p>
-            <a:pPr marL="0" marR="0" lvl="0" indent="0" algn="ctr" defTabSz="914400" rtl="0" eaLnBrk="1" fontAlgn="base" latinLnBrk="0" hangingPunct="1">
-              <a:lnSpc>
-                <a:spcPct val="150000"/>
-              </a:lnSpc>
-              <a:spcBef>
-                <a:spcPct val="0"/>
-              </a:spcBef>
-              <a:spcAft>
-                <a:spcPct val="0"/>
-              </a:spcAft>
-              <a:buClrTx/>
-              <a:buSzTx/>
-              <a:buFont typeface="Arial" panose="020B0604020202090204" pitchFamily="34" charset="0"/>
-              <a:buNone/>
-              <a:defRPr/>
-            </a:pPr>
-            <a:r>
-              <a:rPr kumimoji="0" lang="zh-CN" altLang="en-US" sz="2000" b="0" i="0" u="none" strike="noStrike" kern="1200" cap="none" spc="0" normalizeH="0" baseline="0" noProof="0" dirty="0" smtClean="0">
-                <a:ln>
-                  <a:noFill/>
-                </a:ln>
-                <a:solidFill>
-                  <a:srgbClr val="00A0D7"/>
-                </a:solidFill>
-                <a:effectLst/>
-                <a:uLnTx/>
-                <a:uFillTx/>
-                <a:latin typeface="Arial" panose="020B0604020202090204" pitchFamily="34" charset="0"/>
-                <a:ea typeface="微软雅黑" panose="020B0503020204020204" pitchFamily="34" charset="-122"/>
-                <a:cs typeface="+mn-cs"/>
-              </a:rPr>
-              <a:t>一致性读的原则：所谓一致性读，就是该查询只能看见在本事务开始时间点之前提交的事务，不能看见之后的或未提交的事务更改</a:t>
-            </a:r>
-            <a:endParaRPr kumimoji="0" lang="zh-CN" altLang="en-US" sz="2000" b="0" i="0" u="none" strike="noStrike" kern="1200" cap="none" spc="0" normalizeH="0" baseline="0" noProof="0" dirty="0" smtClean="0">
-              <a:ln>
-                <a:noFill/>
-              </a:ln>
-              <a:solidFill>
-                <a:srgbClr val="00A0D7"/>
-              </a:solidFill>
-              <a:effectLst/>
-              <a:uLnTx/>
-              <a:uFillTx/>
-              <a:latin typeface="Arial" panose="020B0604020202090204" pitchFamily="34" charset="0"/>
-              <a:ea typeface="微软雅黑" panose="020B0503020204020204" pitchFamily="34" charset="-122"/>
-              <a:cs typeface="+mn-cs"/>
-            </a:endParaRPr>
-          </a:p>
-        </p:txBody>
-      </p:sp>
-      <p:sp>
-        <p:nvSpPr>
-          <p:cNvPr id="4" name="Text Box 2"/>
-          <p:cNvSpPr txBox="1">
-            <a:spLocks noChangeArrowheads="1"/>
-          </p:cNvSpPr>
-          <p:nvPr/>
-        </p:nvSpPr>
-        <p:spPr bwMode="auto">
-          <a:xfrm>
-            <a:off x="920115" y="3322955"/>
-            <a:ext cx="9572625" cy="554355"/>
+            <a:ext cx="9572625" cy="4247515"/>
           </a:xfrm>
           <a:prstGeom prst="rect">
             <a:avLst/>
@@ -8247,6 +8472,23 @@
               <a:defRPr/>
             </a:pPr>
             <a:r>
+              <a:rPr kumimoji="0" lang="en-US" altLang="zh-CN" sz="2000" b="0" i="0" u="none" strike="noStrike" kern="1200" cap="none" spc="0" normalizeH="0" baseline="0" noProof="0" dirty="0" smtClean="0">
+                <a:ln>
+                  <a:noFill/>
+                </a:ln>
+                <a:solidFill>
+                  <a:srgbClr val="00A0D7"/>
+                </a:solidFill>
+                <a:effectLst/>
+                <a:uLnTx/>
+                <a:uFillTx/>
+                <a:latin typeface="Arial" panose="020B0604020202090204" pitchFamily="34" charset="0"/>
+                <a:ea typeface="微软雅黑" panose="020B0503020204020204" pitchFamily="34" charset="-122"/>
+                <a:cs typeface="+mn-cs"/>
+              </a:rPr>
+              <a:t>1. </a:t>
+            </a:r>
+            <a:r>
               <a:rPr kumimoji="0" lang="zh-CN" altLang="en-US" sz="2000" b="0" i="0" u="none" strike="noStrike" kern="1200" cap="none" spc="0" normalizeH="0" baseline="0" noProof="0" dirty="0" smtClean="0">
                 <a:ln>
                   <a:noFill/>
@@ -8261,7 +8503,7 @@
                 <a:ea typeface="微软雅黑" panose="020B0503020204020204" pitchFamily="34" charset="-122"/>
                 <a:cs typeface="+mn-cs"/>
               </a:rPr>
-              <a:t>一致性读的悖论：同一个事务是否应该看见自己的修改？</a:t>
+              <a:t>6byte大小DB_TRX_ID字段，表示最后一个事务的事务标示(在行插入，更新时更新，其中删除被认为是更新，专门使用1byte表示deleted)。</a:t>
             </a:r>
             <a:endParaRPr kumimoji="0" lang="zh-CN" altLang="en-US" sz="2000" b="0" i="0" u="none" strike="noStrike" kern="1200" cap="none" spc="0" normalizeH="0" baseline="0" noProof="0" dirty="0" smtClean="0">
               <a:ln>
@@ -8278,70 +8520,200 @@
               <a:cs typeface="+mn-cs"/>
             </a:endParaRPr>
           </a:p>
-        </p:txBody>
-      </p:sp>
-      <p:sp>
-        <p:nvSpPr>
-          <p:cNvPr id="5" name="文本框 4"/>
-          <p:cNvSpPr txBox="1"/>
-          <p:nvPr/>
-        </p:nvSpPr>
-        <p:spPr>
-          <a:xfrm>
-            <a:off x="920115" y="4350385"/>
-            <a:ext cx="7660005" cy="708025"/>
-          </a:xfrm>
-          <a:prstGeom prst="rect">
-            <a:avLst/>
-          </a:prstGeom>
-          <a:noFill/>
-          <a:ln w="9525">
-            <a:noFill/>
-            <a:miter lim="800000"/>
-          </a:ln>
-        </p:spPr>
-        <p:txBody>
-          <a:bodyPr wrap="square" lIns="93315" tIns="46657" rIns="93315" bIns="46657">
-            <a:spAutoFit/>
-          </a:bodyPr>
-          <a:p>
-            <a:pPr algn="l"/>
-            <a:r>
-              <a:rPr lang="zh-CN" altLang="en-US" sz="2000" dirty="0">
-                <a:solidFill>
-                  <a:srgbClr val="00A0D7"/>
-                </a:solidFill>
-                <a:latin typeface="微软雅黑" panose="020B0503020204020204" pitchFamily="34" charset="-122"/>
-                <a:ea typeface="微软雅黑" panose="020B0503020204020204" pitchFamily="34" charset="-122"/>
-              </a:rPr>
-              <a:t>如</a:t>
-            </a:r>
-            <a:r>
-              <a:rPr lang="en-US" altLang="zh-CN" sz="2000" dirty="0">
-                <a:solidFill>
-                  <a:srgbClr val="00A0D7"/>
-                </a:solidFill>
-                <a:latin typeface="微软雅黑" panose="020B0503020204020204" pitchFamily="34" charset="-122"/>
-                <a:ea typeface="微软雅黑" panose="020B0503020204020204" pitchFamily="34" charset="-122"/>
-              </a:rPr>
-              <a:t>:</a:t>
-            </a:r>
-            <a:r>
-              <a:rPr lang="zh-CN" altLang="en-US" sz="2000" dirty="0">
-                <a:solidFill>
-                  <a:srgbClr val="00A0D7"/>
-                </a:solidFill>
-                <a:latin typeface="微软雅黑" panose="020B0503020204020204" pitchFamily="34" charset="-122"/>
-                <a:ea typeface="微软雅黑" panose="020B0503020204020204" pitchFamily="34" charset="-122"/>
-              </a:rPr>
-              <a:t>A事务查看r1-&gt;B事务查看r1-&gt;B事务更新r1+1-&gt;A事务更新r1+2-&gt;A事务提交-&gt;B事务查看r1状态?</a:t>
-            </a:r>
-            <a:endParaRPr lang="zh-CN" altLang="en-US" sz="2000" dirty="0">
+          <a:p>
+            <a:pPr marL="0" marR="0" lvl="0" indent="0" algn="l" defTabSz="914400" rtl="0" eaLnBrk="1" fontAlgn="base" latinLnBrk="0" hangingPunct="1">
+              <a:lnSpc>
+                <a:spcPct val="150000"/>
+              </a:lnSpc>
+              <a:spcBef>
+                <a:spcPct val="0"/>
+              </a:spcBef>
+              <a:spcAft>
+                <a:spcPct val="0"/>
+              </a:spcAft>
+              <a:buClrTx/>
+              <a:buSzTx/>
+              <a:buFont typeface="Arial" panose="020B0604020202090204" pitchFamily="34" charset="0"/>
+              <a:buNone/>
+              <a:defRPr/>
+            </a:pPr>
+            <a:endParaRPr kumimoji="0" lang="en-US" altLang="zh-CN" sz="2000" b="0" i="0" u="none" strike="noStrike" kern="1200" cap="none" spc="0" normalizeH="0" baseline="0" noProof="0" dirty="0" smtClean="0">
+              <a:ln>
+                <a:noFill/>
+              </a:ln>
               <a:solidFill>
                 <a:srgbClr val="00A0D7"/>
               </a:solidFill>
-              <a:latin typeface="微软雅黑" panose="020B0503020204020204" pitchFamily="34" charset="-122"/>
+              <a:effectLst/>
+              <a:uLnTx/>
+              <a:uFillTx/>
+              <a:latin typeface="Arial" panose="020B0604020202090204" pitchFamily="34" charset="0"/>
               <a:ea typeface="微软雅黑" panose="020B0503020204020204" pitchFamily="34" charset="-122"/>
+              <a:cs typeface="+mn-cs"/>
+            </a:endParaRPr>
+          </a:p>
+          <a:p>
+            <a:pPr marL="0" marR="0" lvl="0" indent="0" algn="l" defTabSz="914400" rtl="0" eaLnBrk="1" fontAlgn="base" latinLnBrk="0" hangingPunct="1">
+              <a:lnSpc>
+                <a:spcPct val="150000"/>
+              </a:lnSpc>
+              <a:spcBef>
+                <a:spcPct val="0"/>
+              </a:spcBef>
+              <a:spcAft>
+                <a:spcPct val="0"/>
+              </a:spcAft>
+              <a:buClrTx/>
+              <a:buSzTx/>
+              <a:buFont typeface="Arial" panose="020B0604020202090204" pitchFamily="34" charset="0"/>
+              <a:buNone/>
+              <a:defRPr/>
+            </a:pPr>
+            <a:r>
+              <a:rPr kumimoji="0" lang="en-US" altLang="zh-CN" sz="2000" b="0" i="0" u="none" strike="noStrike" kern="1200" cap="none" spc="0" normalizeH="0" baseline="0" noProof="0" dirty="0" smtClean="0">
+                <a:ln>
+                  <a:noFill/>
+                </a:ln>
+                <a:solidFill>
+                  <a:srgbClr val="00A0D7"/>
+                </a:solidFill>
+                <a:effectLst/>
+                <a:uLnTx/>
+                <a:uFillTx/>
+                <a:latin typeface="Arial" panose="020B0604020202090204" pitchFamily="34" charset="0"/>
+                <a:ea typeface="微软雅黑" panose="020B0503020204020204" pitchFamily="34" charset="-122"/>
+                <a:cs typeface="+mn-cs"/>
+              </a:rPr>
+              <a:t>2. </a:t>
+            </a:r>
+            <a:r>
+              <a:rPr kumimoji="0" lang="zh-CN" altLang="en-US" sz="2000" b="0" i="0" u="none" strike="noStrike" kern="1200" cap="none" spc="0" normalizeH="0" baseline="0" noProof="0" dirty="0" smtClean="0">
+                <a:ln>
+                  <a:noFill/>
+                </a:ln>
+                <a:solidFill>
+                  <a:srgbClr val="00A0D7"/>
+                </a:solidFill>
+                <a:effectLst/>
+                <a:uLnTx/>
+                <a:uFillTx/>
+                <a:latin typeface="Arial" panose="020B0604020202090204" pitchFamily="34" charset="0"/>
+                <a:ea typeface="微软雅黑" panose="020B0503020204020204" pitchFamily="34" charset="-122"/>
+                <a:cs typeface="+mn-cs"/>
+              </a:rPr>
+              <a:t>7byte的DB_ROLL_PTR回滚指针字段，该指针指向被写入回滚段的undo log。如果该行更新了，undo log将记录必要的可以恢复更新前记录的信息。</a:t>
+            </a:r>
+            <a:endParaRPr kumimoji="0" lang="zh-CN" altLang="en-US" sz="2000" b="0" i="0" u="none" strike="noStrike" kern="1200" cap="none" spc="0" normalizeH="0" baseline="0" noProof="0" dirty="0" smtClean="0">
+              <a:ln>
+                <a:noFill/>
+              </a:ln>
+              <a:solidFill>
+                <a:srgbClr val="00A0D7"/>
+              </a:solidFill>
+              <a:effectLst/>
+              <a:uLnTx/>
+              <a:uFillTx/>
+              <a:latin typeface="Arial" panose="020B0604020202090204" pitchFamily="34" charset="0"/>
+              <a:ea typeface="微软雅黑" panose="020B0503020204020204" pitchFamily="34" charset="-122"/>
+              <a:cs typeface="+mn-cs"/>
+            </a:endParaRPr>
+          </a:p>
+          <a:p>
+            <a:pPr marL="0" marR="0" lvl="0" indent="0" algn="l" defTabSz="914400" rtl="0" eaLnBrk="1" fontAlgn="base" latinLnBrk="0" hangingPunct="1">
+              <a:lnSpc>
+                <a:spcPct val="150000"/>
+              </a:lnSpc>
+              <a:spcBef>
+                <a:spcPct val="0"/>
+              </a:spcBef>
+              <a:spcAft>
+                <a:spcPct val="0"/>
+              </a:spcAft>
+              <a:buClrTx/>
+              <a:buSzTx/>
+              <a:buFont typeface="Arial" panose="020B0604020202090204" pitchFamily="34" charset="0"/>
+              <a:buNone/>
+              <a:defRPr/>
+            </a:pPr>
+            <a:endParaRPr kumimoji="0" lang="en-US" altLang="zh-CN" sz="2000" b="0" i="0" u="none" strike="noStrike" kern="1200" cap="none" spc="0" normalizeH="0" baseline="0" noProof="0" dirty="0" smtClean="0">
+              <a:ln>
+                <a:noFill/>
+              </a:ln>
+              <a:solidFill>
+                <a:srgbClr val="00A0D7"/>
+              </a:solidFill>
+              <a:effectLst/>
+              <a:uLnTx/>
+              <a:uFillTx/>
+              <a:latin typeface="Arial" panose="020B0604020202090204" pitchFamily="34" charset="0"/>
+              <a:ea typeface="微软雅黑" panose="020B0503020204020204" pitchFamily="34" charset="-122"/>
+              <a:cs typeface="+mn-cs"/>
+            </a:endParaRPr>
+          </a:p>
+          <a:p>
+            <a:pPr marL="0" marR="0" lvl="0" indent="0" algn="l" defTabSz="914400" rtl="0" eaLnBrk="1" fontAlgn="base" latinLnBrk="0" hangingPunct="1">
+              <a:lnSpc>
+                <a:spcPct val="150000"/>
+              </a:lnSpc>
+              <a:spcBef>
+                <a:spcPct val="0"/>
+              </a:spcBef>
+              <a:spcAft>
+                <a:spcPct val="0"/>
+              </a:spcAft>
+              <a:buClrTx/>
+              <a:buSzTx/>
+              <a:buFont typeface="Arial" panose="020B0604020202090204" pitchFamily="34" charset="0"/>
+              <a:buNone/>
+              <a:defRPr/>
+            </a:pPr>
+            <a:r>
+              <a:rPr kumimoji="0" lang="en-US" altLang="zh-CN" sz="2000" b="0" i="0" u="none" strike="noStrike" kern="1200" cap="none" spc="0" normalizeH="0" baseline="0" noProof="0" dirty="0" smtClean="0">
+                <a:ln>
+                  <a:noFill/>
+                </a:ln>
+                <a:solidFill>
+                  <a:srgbClr val="00A0D7"/>
+                </a:solidFill>
+                <a:effectLst/>
+                <a:uLnTx/>
+                <a:uFillTx/>
+                <a:latin typeface="Arial" panose="020B0604020202090204" pitchFamily="34" charset="0"/>
+                <a:ea typeface="微软雅黑" panose="020B0503020204020204" pitchFamily="34" charset="-122"/>
+                <a:cs typeface="+mn-cs"/>
+              </a:rPr>
+              <a:t>3. </a:t>
+            </a:r>
+            <a:r>
+              <a:rPr kumimoji="0" lang="zh-CN" altLang="en-US" sz="2000" b="0" i="0" u="none" strike="noStrike" kern="1200" cap="none" spc="0" normalizeH="0" baseline="0" noProof="0" dirty="0" smtClean="0">
+                <a:ln>
+                  <a:noFill/>
+                </a:ln>
+                <a:solidFill>
+                  <a:srgbClr val="00A0D7"/>
+                </a:solidFill>
+                <a:effectLst/>
+                <a:uLnTx/>
+                <a:uFillTx/>
+                <a:latin typeface="Arial" panose="020B0604020202090204" pitchFamily="34" charset="0"/>
+                <a:ea typeface="微软雅黑" panose="020B0503020204020204" pitchFamily="34" charset="-122"/>
+                <a:cs typeface="+mn-cs"/>
+              </a:rPr>
+              <a:t>6byte的DB_ROW_ID单调递增行id，如果InnoDB的聚簇索引是自动生成的(应该是指创建时主键成为聚簇索引)，那么该索引将包含row id值，否则row id将不出现在任何索引中。</a:t>
+            </a:r>
+            <a:endParaRPr kumimoji="0" lang="zh-CN" altLang="en-US" sz="2000" b="0" i="0" u="none" strike="noStrike" kern="1200" cap="none" spc="0" normalizeH="0" baseline="0" noProof="0" dirty="0" smtClean="0">
+              <a:ln>
+                <a:noFill/>
+              </a:ln>
+              <a:solidFill>
+                <a:srgbClr val="00A0D7"/>
+              </a:solidFill>
+              <a:effectLst/>
+              <a:uLnTx/>
+              <a:uFillTx/>
+              <a:latin typeface="Arial" panose="020B0604020202090204" pitchFamily="34" charset="0"/>
+              <a:ea typeface="微软雅黑" panose="020B0503020204020204" pitchFamily="34" charset="-122"/>
+              <a:cs typeface="+mn-cs"/>
             </a:endParaRPr>
           </a:p>
         </p:txBody>
@@ -8737,7 +9109,7 @@
                 <a:ea typeface="微软雅黑" panose="020B0503020204020204" pitchFamily="34" charset="-122"/>
                 <a:cs typeface="+mn-cs"/>
               </a:rPr>
-              <a:t>锁分类</a:t>
+              <a:t>不加锁的一致性读</a:t>
             </a:r>
             <a:endParaRPr kumimoji="0" lang="zh-CN" altLang="en-US" sz="2800" b="0" i="0" u="none" strike="noStrike" kern="1200" cap="none" spc="0" normalizeH="0" baseline="0" noProof="0" dirty="0" smtClean="0">
               <a:ln>
@@ -8767,7 +9139,84 @@
         <p:spPr bwMode="auto">
           <a:xfrm>
             <a:off x="809625" y="1724025"/>
-            <a:ext cx="9572625" cy="2862580"/>
+            <a:ext cx="9572625" cy="1016000"/>
+          </a:xfrm>
+          <a:prstGeom prst="rect">
+            <a:avLst/>
+          </a:prstGeom>
+          <a:noFill/>
+          <a:ln w="9525">
+            <a:noFill/>
+            <a:miter lim="800000"/>
+          </a:ln>
+        </p:spPr>
+        <p:txBody>
+          <a:bodyPr wrap="square" lIns="93315" tIns="46657" rIns="93315" bIns="46657">
+            <a:spAutoFit/>
+          </a:bodyPr>
+          <a:p>
+            <a:pPr marL="0" marR="0" lvl="0" indent="0" algn="ctr" defTabSz="914400" rtl="0" eaLnBrk="1" fontAlgn="base" latinLnBrk="0" hangingPunct="1">
+              <a:lnSpc>
+                <a:spcPct val="150000"/>
+              </a:lnSpc>
+              <a:spcBef>
+                <a:spcPct val="0"/>
+              </a:spcBef>
+              <a:spcAft>
+                <a:spcPct val="0"/>
+              </a:spcAft>
+              <a:buClrTx/>
+              <a:buSzTx/>
+              <a:buFont typeface="Arial" panose="020B0604020202090204" pitchFamily="34" charset="0"/>
+              <a:buNone/>
+              <a:defRPr/>
+            </a:pPr>
+            <a:r>
+              <a:rPr kumimoji="0" lang="zh-CN" altLang="en-US" sz="2000" b="0" i="0" u="none" strike="noStrike" kern="1200" cap="none" spc="0" normalizeH="0" baseline="0" noProof="0" dirty="0" smtClean="0">
+                <a:ln>
+                  <a:noFill/>
+                </a:ln>
+                <a:solidFill>
+                  <a:srgbClr val="00A0D7"/>
+                </a:solidFill>
+                <a:effectLst/>
+                <a:uLnTx/>
+                <a:uFillTx/>
+                <a:latin typeface="Arial" panose="020B0604020202090204" pitchFamily="34" charset="0"/>
+                <a:ea typeface="微软雅黑" panose="020B0503020204020204" pitchFamily="34" charset="-122"/>
+                <a:cs typeface="+mn-cs"/>
+              </a:rPr>
+              <a:t>一致性读的原则：所谓一致性读，就是该查询只能看见在本事务开始时间点之前提交的事务，不能看见之后的或未提交的事务更改</a:t>
+            </a:r>
+            <a:endParaRPr kumimoji="0" lang="zh-CN" altLang="en-US" sz="2000" b="0" i="0" u="none" strike="noStrike" kern="1200" cap="none" spc="0" normalizeH="0" baseline="0" noProof="0" dirty="0" smtClean="0">
+              <a:ln>
+                <a:noFill/>
+              </a:ln>
+              <a:solidFill>
+                <a:srgbClr val="00A0D7"/>
+              </a:solidFill>
+              <a:effectLst/>
+              <a:uLnTx/>
+              <a:uFillTx/>
+              <a:latin typeface="Arial" panose="020B0604020202090204" pitchFamily="34" charset="0"/>
+              <a:ea typeface="微软雅黑" panose="020B0503020204020204" pitchFamily="34" charset="-122"/>
+              <a:cs typeface="+mn-cs"/>
+            </a:endParaRPr>
+          </a:p>
+        </p:txBody>
+      </p:sp>
+      <p:sp>
+        <p:nvSpPr>
+          <p:cNvPr id="4" name="Text Box 2"/>
+          <p:cNvSpPr txBox="1">
+            <a:spLocks noChangeArrowheads="1"/>
+          </p:cNvSpPr>
+          <p:nvPr/>
+        </p:nvSpPr>
+        <p:spPr bwMode="auto">
+          <a:xfrm>
+            <a:off x="920115" y="3322955"/>
+            <a:ext cx="9572625" cy="554355"/>
           </a:xfrm>
           <a:prstGeom prst="rect">
             <a:avLst/>
@@ -8814,7 +9263,7 @@
                 <a:ea typeface="微软雅黑" panose="020B0503020204020204" pitchFamily="34" charset="-122"/>
                 <a:cs typeface="+mn-cs"/>
               </a:rPr>
-              <a:t>共享(s)和独占锁(x)：</a:t>
+              <a:t>一致性读的悖论：同一个事务是否应该看见自己的修改？</a:t>
             </a:r>
             <a:endParaRPr kumimoji="0" lang="zh-CN" altLang="en-US" sz="2000" b="0" i="0" u="none" strike="noStrike" kern="1200" cap="none" spc="0" normalizeH="0" baseline="0" noProof="0" dirty="0" smtClean="0">
               <a:ln>
@@ -8831,249 +9280,70 @@
               <a:cs typeface="+mn-cs"/>
             </a:endParaRPr>
           </a:p>
-          <a:p>
-            <a:pPr marL="0" marR="0" lvl="0" indent="0" algn="l" defTabSz="914400" rtl="0" eaLnBrk="1" fontAlgn="base" latinLnBrk="0" hangingPunct="1">
-              <a:lnSpc>
-                <a:spcPct val="150000"/>
-              </a:lnSpc>
-              <a:spcBef>
-                <a:spcPct val="0"/>
-              </a:spcBef>
-              <a:spcAft>
-                <a:spcPct val="0"/>
-              </a:spcAft>
-              <a:buClrTx/>
-              <a:buSzTx/>
-              <a:buFont typeface="Arial" panose="020B0604020202090204" pitchFamily="34" charset="0"/>
-              <a:buNone/>
-              <a:defRPr/>
-            </a:pPr>
-            <a:r>
-              <a:rPr kumimoji="0" lang="zh-CN" altLang="en-US" sz="2000" b="0" i="0" u="none" strike="noStrike" kern="1200" cap="none" spc="0" normalizeH="0" baseline="0" noProof="0" dirty="0" smtClean="0">
-                <a:ln>
-                  <a:noFill/>
-                </a:ln>
+        </p:txBody>
+      </p:sp>
+      <p:sp>
+        <p:nvSpPr>
+          <p:cNvPr id="5" name="文本框 4"/>
+          <p:cNvSpPr txBox="1"/>
+          <p:nvPr/>
+        </p:nvSpPr>
+        <p:spPr>
+          <a:xfrm>
+            <a:off x="920115" y="4350385"/>
+            <a:ext cx="7660005" cy="708025"/>
+          </a:xfrm>
+          <a:prstGeom prst="rect">
+            <a:avLst/>
+          </a:prstGeom>
+          <a:noFill/>
+          <a:ln w="9525">
+            <a:noFill/>
+            <a:miter lim="800000"/>
+          </a:ln>
+        </p:spPr>
+        <p:txBody>
+          <a:bodyPr wrap="square" lIns="93315" tIns="46657" rIns="93315" bIns="46657">
+            <a:spAutoFit/>
+          </a:bodyPr>
+          <a:p>
+            <a:pPr algn="l"/>
+            <a:r>
+              <a:rPr lang="zh-CN" altLang="en-US" sz="2000" dirty="0">
                 <a:solidFill>
                   <a:srgbClr val="00A0D7"/>
                 </a:solidFill>
-                <a:effectLst/>
-                <a:uLnTx/>
-                <a:uFillTx/>
-                <a:latin typeface="Arial" panose="020B0604020202090204" pitchFamily="34" charset="0"/>
-                <a:ea typeface="微软雅黑" panose="020B0503020204020204" pitchFamily="34" charset="-122"/>
-                <a:cs typeface="+mn-cs"/>
-              </a:rPr>
-              <a:t>意向锁：</a:t>
-            </a:r>
-            <a:endParaRPr kumimoji="0" lang="zh-CN" altLang="en-US" sz="2000" b="0" i="0" u="none" strike="noStrike" kern="1200" cap="none" spc="0" normalizeH="0" baseline="0" noProof="0" dirty="0" smtClean="0">
-              <a:ln>
-                <a:noFill/>
-              </a:ln>
+                <a:latin typeface="微软雅黑" panose="020B0503020204020204" pitchFamily="34" charset="-122"/>
+                <a:ea typeface="微软雅黑" panose="020B0503020204020204" pitchFamily="34" charset="-122"/>
+              </a:rPr>
+              <a:t>如</a:t>
+            </a:r>
+            <a:r>
+              <a:rPr lang="en-US" altLang="zh-CN" sz="2000" dirty="0">
+                <a:solidFill>
+                  <a:srgbClr val="00A0D7"/>
+                </a:solidFill>
+                <a:latin typeface="微软雅黑" panose="020B0503020204020204" pitchFamily="34" charset="-122"/>
+                <a:ea typeface="微软雅黑" panose="020B0503020204020204" pitchFamily="34" charset="-122"/>
+              </a:rPr>
+              <a:t>:</a:t>
+            </a:r>
+            <a:r>
+              <a:rPr lang="zh-CN" altLang="en-US" sz="2000" dirty="0">
+                <a:solidFill>
+                  <a:srgbClr val="00A0D7"/>
+                </a:solidFill>
+                <a:latin typeface="微软雅黑" panose="020B0503020204020204" pitchFamily="34" charset="-122"/>
+                <a:ea typeface="微软雅黑" panose="020B0503020204020204" pitchFamily="34" charset="-122"/>
+              </a:rPr>
+              <a:t>A事务查看r1-&gt;B事务查看r1-&gt;B事务更新r1+1-&gt;A事务更新r1+2-&gt;A事务提交-&gt;B事务查看r1状态?</a:t>
+            </a:r>
+            <a:endParaRPr lang="zh-CN" altLang="en-US" sz="2000" dirty="0">
               <a:solidFill>
                 <a:srgbClr val="00A0D7"/>
               </a:solidFill>
-              <a:effectLst/>
-              <a:uLnTx/>
-              <a:uFillTx/>
-              <a:latin typeface="Arial" panose="020B0604020202090204" pitchFamily="34" charset="0"/>
+              <a:latin typeface="微软雅黑" panose="020B0503020204020204" pitchFamily="34" charset="-122"/>
               <a:ea typeface="微软雅黑" panose="020B0503020204020204" pitchFamily="34" charset="-122"/>
-              <a:cs typeface="+mn-cs"/>
-            </a:endParaRPr>
-          </a:p>
-          <a:p>
-            <a:pPr marL="0" marR="0" lvl="0" indent="0" algn="l" defTabSz="914400" rtl="0" eaLnBrk="1" fontAlgn="base" latinLnBrk="0" hangingPunct="1">
-              <a:lnSpc>
-                <a:spcPct val="150000"/>
-              </a:lnSpc>
-              <a:spcBef>
-                <a:spcPct val="0"/>
-              </a:spcBef>
-              <a:spcAft>
-                <a:spcPct val="0"/>
-              </a:spcAft>
-              <a:buClrTx/>
-              <a:buSzTx/>
-              <a:buFont typeface="Arial" panose="020B0604020202090204" pitchFamily="34" charset="0"/>
-              <a:buNone/>
-              <a:defRPr/>
-            </a:pPr>
-            <a:r>
-              <a:rPr kumimoji="0" lang="zh-CN" altLang="en-US" sz="2000" b="0" i="0" u="none" strike="noStrike" kern="1200" cap="none" spc="0" normalizeH="0" baseline="0" noProof="0" dirty="0" smtClean="0">
-                <a:ln>
-                  <a:noFill/>
-                </a:ln>
-                <a:solidFill>
-                  <a:srgbClr val="00A0D7"/>
-                </a:solidFill>
-                <a:effectLst/>
-                <a:uLnTx/>
-                <a:uFillTx/>
-                <a:latin typeface="Arial" panose="020B0604020202090204" pitchFamily="34" charset="0"/>
-                <a:ea typeface="微软雅黑" panose="020B0503020204020204" pitchFamily="34" charset="-122"/>
-                <a:cs typeface="+mn-cs"/>
-              </a:rPr>
-              <a:t>记录锁：</a:t>
-            </a:r>
-            <a:endParaRPr kumimoji="0" lang="zh-CN" altLang="en-US" sz="2000" b="0" i="0" u="none" strike="noStrike" kern="1200" cap="none" spc="0" normalizeH="0" baseline="0" noProof="0" dirty="0" smtClean="0">
-              <a:ln>
-                <a:noFill/>
-              </a:ln>
-              <a:solidFill>
-                <a:srgbClr val="00A0D7"/>
-              </a:solidFill>
-              <a:effectLst/>
-              <a:uLnTx/>
-              <a:uFillTx/>
-              <a:latin typeface="Arial" panose="020B0604020202090204" pitchFamily="34" charset="0"/>
-              <a:ea typeface="微软雅黑" panose="020B0503020204020204" pitchFamily="34" charset="-122"/>
-              <a:cs typeface="+mn-cs"/>
-            </a:endParaRPr>
-          </a:p>
-          <a:p>
-            <a:pPr marL="0" marR="0" lvl="0" indent="0" algn="l" defTabSz="914400" rtl="0" eaLnBrk="1" fontAlgn="base" latinLnBrk="0" hangingPunct="1">
-              <a:lnSpc>
-                <a:spcPct val="150000"/>
-              </a:lnSpc>
-              <a:spcBef>
-                <a:spcPct val="0"/>
-              </a:spcBef>
-              <a:spcAft>
-                <a:spcPct val="0"/>
-              </a:spcAft>
-              <a:buClrTx/>
-              <a:buSzTx/>
-              <a:buFont typeface="Arial" panose="020B0604020202090204" pitchFamily="34" charset="0"/>
-              <a:buNone/>
-              <a:defRPr/>
-            </a:pPr>
-            <a:r>
-              <a:rPr kumimoji="0" lang="zh-CN" altLang="en-US" sz="2000" b="0" i="0" u="none" strike="noStrike" kern="1200" cap="none" spc="0" normalizeH="0" baseline="0" noProof="0" dirty="0" smtClean="0">
-                <a:ln>
-                  <a:noFill/>
-                </a:ln>
-                <a:solidFill>
-                  <a:srgbClr val="00A0D7"/>
-                </a:solidFill>
-                <a:effectLst/>
-                <a:uLnTx/>
-                <a:uFillTx/>
-                <a:latin typeface="Arial" panose="020B0604020202090204" pitchFamily="34" charset="0"/>
-                <a:ea typeface="微软雅黑" panose="020B0503020204020204" pitchFamily="34" charset="-122"/>
-                <a:cs typeface="+mn-cs"/>
-              </a:rPr>
-              <a:t>间隙锁：</a:t>
-            </a:r>
-            <a:endParaRPr kumimoji="0" lang="zh-CN" altLang="en-US" sz="2000" b="0" i="0" u="none" strike="noStrike" kern="1200" cap="none" spc="0" normalizeH="0" baseline="0" noProof="0" dirty="0" smtClean="0">
-              <a:ln>
-                <a:noFill/>
-              </a:ln>
-              <a:solidFill>
-                <a:srgbClr val="00A0D7"/>
-              </a:solidFill>
-              <a:effectLst/>
-              <a:uLnTx/>
-              <a:uFillTx/>
-              <a:latin typeface="Arial" panose="020B0604020202090204" pitchFamily="34" charset="0"/>
-              <a:ea typeface="微软雅黑" panose="020B0503020204020204" pitchFamily="34" charset="-122"/>
-              <a:cs typeface="+mn-cs"/>
-            </a:endParaRPr>
-          </a:p>
-          <a:p>
-            <a:pPr marL="0" marR="0" lvl="0" indent="0" algn="l" defTabSz="914400" rtl="0" eaLnBrk="1" fontAlgn="base" latinLnBrk="0" hangingPunct="1">
-              <a:lnSpc>
-                <a:spcPct val="150000"/>
-              </a:lnSpc>
-              <a:spcBef>
-                <a:spcPct val="0"/>
-              </a:spcBef>
-              <a:spcAft>
-                <a:spcPct val="0"/>
-              </a:spcAft>
-              <a:buClrTx/>
-              <a:buSzTx/>
-              <a:buFont typeface="Arial" panose="020B0604020202090204" pitchFamily="34" charset="0"/>
-              <a:buNone/>
-              <a:defRPr/>
-            </a:pPr>
-            <a:r>
-              <a:rPr kumimoji="0" lang="zh-CN" altLang="en-US" sz="2000" b="0" i="0" u="none" strike="noStrike" kern="1200" cap="none" spc="0" normalizeH="0" baseline="0" noProof="0" dirty="0" smtClean="0">
-                <a:ln>
-                  <a:noFill/>
-                </a:ln>
-                <a:solidFill>
-                  <a:srgbClr val="00A0D7"/>
-                </a:solidFill>
-                <a:effectLst/>
-                <a:uLnTx/>
-                <a:uFillTx/>
-                <a:latin typeface="Arial" panose="020B0604020202090204" pitchFamily="34" charset="0"/>
-                <a:ea typeface="微软雅黑" panose="020B0503020204020204" pitchFamily="34" charset="-122"/>
-                <a:cs typeface="+mn-cs"/>
-              </a:rPr>
-              <a:t>插入意向锁：</a:t>
-            </a:r>
-            <a:endParaRPr kumimoji="0" lang="zh-CN" altLang="en-US" sz="2000" b="0" i="0" u="none" strike="noStrike" kern="1200" cap="none" spc="0" normalizeH="0" baseline="0" noProof="0" dirty="0" smtClean="0">
-              <a:ln>
-                <a:noFill/>
-              </a:ln>
-              <a:solidFill>
-                <a:srgbClr val="00A0D7"/>
-              </a:solidFill>
-              <a:effectLst/>
-              <a:uLnTx/>
-              <a:uFillTx/>
-              <a:latin typeface="Arial" panose="020B0604020202090204" pitchFamily="34" charset="0"/>
-              <a:ea typeface="微软雅黑" panose="020B0503020204020204" pitchFamily="34" charset="-122"/>
-              <a:cs typeface="+mn-cs"/>
-            </a:endParaRPr>
-          </a:p>
-          <a:p>
-            <a:pPr marL="0" marR="0" lvl="0" indent="0" algn="l" defTabSz="914400" rtl="0" eaLnBrk="1" fontAlgn="base" latinLnBrk="0" hangingPunct="1">
-              <a:lnSpc>
-                <a:spcPct val="150000"/>
-              </a:lnSpc>
-              <a:spcBef>
-                <a:spcPct val="0"/>
-              </a:spcBef>
-              <a:spcAft>
-                <a:spcPct val="0"/>
-              </a:spcAft>
-              <a:buClrTx/>
-              <a:buSzTx/>
-              <a:buFont typeface="Arial" panose="020B0604020202090204" pitchFamily="34" charset="0"/>
-              <a:buNone/>
-              <a:defRPr/>
-            </a:pPr>
-            <a:r>
-              <a:rPr kumimoji="0" lang="zh-CN" altLang="en-US" sz="2000" b="0" i="0" u="none" strike="noStrike" kern="1200" cap="none" spc="0" normalizeH="0" baseline="0" noProof="0" dirty="0" smtClean="0">
-                <a:ln>
-                  <a:noFill/>
-                </a:ln>
-                <a:solidFill>
-                  <a:srgbClr val="00A0D7"/>
-                </a:solidFill>
-                <a:effectLst/>
-                <a:uLnTx/>
-                <a:uFillTx/>
-                <a:latin typeface="Arial" panose="020B0604020202090204" pitchFamily="34" charset="0"/>
-                <a:ea typeface="微软雅黑" panose="020B0503020204020204" pitchFamily="34" charset="-122"/>
-                <a:cs typeface="+mn-cs"/>
-              </a:rPr>
-              <a:t>自增锁：</a:t>
-            </a:r>
-            <a:endParaRPr kumimoji="0" lang="zh-CN" altLang="en-US" sz="2000" b="0" i="0" u="none" strike="noStrike" kern="1200" cap="none" spc="0" normalizeH="0" baseline="0" noProof="0" dirty="0" smtClean="0">
-              <a:ln>
-                <a:noFill/>
-              </a:ln>
-              <a:solidFill>
-                <a:srgbClr val="00A0D7"/>
-              </a:solidFill>
-              <a:effectLst/>
-              <a:uLnTx/>
-              <a:uFillTx/>
-              <a:latin typeface="Arial" panose="020B0604020202090204" pitchFamily="34" charset="0"/>
-              <a:ea typeface="微软雅黑" panose="020B0503020204020204" pitchFamily="34" charset="-122"/>
-              <a:cs typeface="+mn-cs"/>
             </a:endParaRPr>
           </a:p>
         </p:txBody>
@@ -9420,8 +9690,8 @@
         </p:nvSpPr>
         <p:spPr bwMode="auto">
           <a:xfrm>
-            <a:off x="3175" y="440055"/>
-            <a:ext cx="3636010" cy="1569720"/>
+            <a:off x="340360" y="789305"/>
+            <a:ext cx="4034155" cy="738505"/>
           </a:xfrm>
           <a:prstGeom prst="rect">
             <a:avLst/>
@@ -9438,7 +9708,7 @@
           </a:bodyPr>
           <a:lstStyle/>
           <a:p>
-            <a:pPr marL="0" marR="0" lvl="0" indent="0" algn="ctr" defTabSz="914400" rtl="0" eaLnBrk="1" fontAlgn="base" latinLnBrk="0" hangingPunct="1">
+            <a:pPr marL="0" marR="0" lvl="0" indent="0" algn="l" defTabSz="914400" rtl="0" eaLnBrk="1" fontAlgn="base" latinLnBrk="0" hangingPunct="1">
               <a:lnSpc>
                 <a:spcPct val="150000"/>
               </a:lnSpc>
@@ -9455,7 +9725,7 @@
               <a:defRPr/>
             </a:pPr>
             <a:r>
-              <a:rPr kumimoji="0" lang="en-US" altLang="zh-CN" sz="3600" b="0" i="0" u="none" strike="noStrike" kern="1200" cap="none" spc="0" normalizeH="0" baseline="0" noProof="0" dirty="0" smtClean="0">
+              <a:rPr kumimoji="0" lang="zh-CN" altLang="en-US" sz="2800" b="0" i="0" u="none" strike="noStrike" kern="1200" cap="none" spc="0" normalizeH="0" baseline="0" noProof="0" dirty="0" smtClean="0">
                 <a:ln>
                   <a:noFill/>
                 </a:ln>
@@ -9469,26 +9739,9 @@
                 <a:ea typeface="微软雅黑" panose="020B0503020204020204" pitchFamily="34" charset="-122"/>
                 <a:cs typeface="+mn-cs"/>
               </a:rPr>
-              <a:t>InnoDB</a:t>
-            </a:r>
-            <a:r>
-              <a:rPr kumimoji="0" lang="zh-CN" altLang="en-US" sz="3600" b="0" i="0" u="none" strike="noStrike" kern="1200" cap="none" spc="0" normalizeH="0" baseline="0" noProof="0" dirty="0" smtClean="0">
-                <a:ln>
-                  <a:noFill/>
-                </a:ln>
-                <a:solidFill>
-                  <a:srgbClr val="00A0D7"/>
-                </a:solidFill>
-                <a:effectLst/>
-                <a:uLnTx/>
-                <a:uFillTx/>
-                <a:latin typeface="Arial" panose="020B0604020202090204" pitchFamily="34" charset="0"/>
-                <a:ea typeface="微软雅黑" panose="020B0503020204020204" pitchFamily="34" charset="-122"/>
-                <a:cs typeface="+mn-cs"/>
-              </a:rPr>
-              <a:t>存储结构</a:t>
-            </a:r>
-            <a:endParaRPr kumimoji="0" lang="en-US" altLang="zh-CN" sz="2800" b="0" i="0" u="none" strike="noStrike" kern="1200" cap="none" spc="0" normalizeH="0" baseline="0" noProof="0" dirty="0" smtClean="0">
+              <a:t>锁分类</a:t>
+            </a:r>
+            <a:endParaRPr kumimoji="0" lang="zh-CN" altLang="en-US" sz="2800" b="0" i="0" u="none" strike="noStrike" kern="1200" cap="none" spc="0" normalizeH="0" baseline="0" noProof="0" dirty="0" smtClean="0">
               <a:ln>
                 <a:noFill/>
               </a:ln>
@@ -9503,8 +9756,36 @@
               <a:cs typeface="+mn-cs"/>
             </a:endParaRPr>
           </a:p>
-          <a:p>
-            <a:pPr marL="0" marR="0" lvl="0" indent="0" algn="ctr" defTabSz="914400" rtl="0" eaLnBrk="1" fontAlgn="base" latinLnBrk="0" hangingPunct="1">
+        </p:txBody>
+      </p:sp>
+      <p:sp>
+        <p:nvSpPr>
+          <p:cNvPr id="2" name="Text Box 2"/>
+          <p:cNvSpPr txBox="1">
+            <a:spLocks noChangeArrowheads="1"/>
+          </p:cNvSpPr>
+          <p:nvPr/>
+        </p:nvSpPr>
+        <p:spPr bwMode="auto">
+          <a:xfrm>
+            <a:off x="809625" y="1724025"/>
+            <a:ext cx="9572625" cy="2862580"/>
+          </a:xfrm>
+          <a:prstGeom prst="rect">
+            <a:avLst/>
+          </a:prstGeom>
+          <a:noFill/>
+          <a:ln w="9525">
+            <a:noFill/>
+            <a:miter lim="800000"/>
+          </a:ln>
+        </p:spPr>
+        <p:txBody>
+          <a:bodyPr wrap="square" lIns="93315" tIns="46657" rIns="93315" bIns="46657">
+            <a:spAutoFit/>
+          </a:bodyPr>
+          <a:p>
+            <a:pPr marL="0" marR="0" lvl="0" indent="0" algn="l" defTabSz="914400" rtl="0" eaLnBrk="1" fontAlgn="base" latinLnBrk="0" hangingPunct="1">
               <a:lnSpc>
                 <a:spcPct val="150000"/>
               </a:lnSpc>
@@ -9520,7 +9801,24 @@
               <a:buNone/>
               <a:defRPr/>
             </a:pPr>
-            <a:endParaRPr kumimoji="0" lang="zh-CN" altLang="en-US" sz="2800" b="0" i="0" u="none" strike="noStrike" kern="1200" cap="none" spc="0" normalizeH="0" baseline="0" noProof="0" dirty="0" smtClean="0">
+            <a:r>
+              <a:rPr kumimoji="0" lang="zh-CN" altLang="en-US" sz="2000" b="0" i="0" u="none" strike="noStrike" kern="1200" cap="none" spc="0" normalizeH="0" baseline="0" noProof="0" dirty="0" smtClean="0">
+                <a:ln>
+                  <a:noFill/>
+                </a:ln>
+                <a:solidFill>
+                  <a:srgbClr val="00A0D7"/>
+                </a:solidFill>
+                <a:effectLst/>
+                <a:uLnTx/>
+                <a:uFillTx/>
+                <a:latin typeface="Arial" panose="020B0604020202090204" pitchFamily="34" charset="0"/>
+                <a:ea typeface="微软雅黑" panose="020B0503020204020204" pitchFamily="34" charset="-122"/>
+                <a:cs typeface="+mn-cs"/>
+              </a:rPr>
+              <a:t>共享(s)和独占锁(x)：</a:t>
+            </a:r>
+            <a:endParaRPr kumimoji="0" lang="zh-CN" altLang="en-US" sz="2000" b="0" i="0" u="none" strike="noStrike" kern="1200" cap="none" spc="0" normalizeH="0" baseline="0" noProof="0" dirty="0" smtClean="0">
               <a:ln>
                 <a:noFill/>
               </a:ln>
@@ -9535,11 +9833,256 @@
               <a:cs typeface="+mn-cs"/>
             </a:endParaRPr>
           </a:p>
+          <a:p>
+            <a:pPr marL="0" marR="0" lvl="0" indent="0" algn="l" defTabSz="914400" rtl="0" eaLnBrk="1" fontAlgn="base" latinLnBrk="0" hangingPunct="1">
+              <a:lnSpc>
+                <a:spcPct val="150000"/>
+              </a:lnSpc>
+              <a:spcBef>
+                <a:spcPct val="0"/>
+              </a:spcBef>
+              <a:spcAft>
+                <a:spcPct val="0"/>
+              </a:spcAft>
+              <a:buClrTx/>
+              <a:buSzTx/>
+              <a:buFont typeface="Arial" panose="020B0604020202090204" pitchFamily="34" charset="0"/>
+              <a:buNone/>
+              <a:defRPr/>
+            </a:pPr>
+            <a:r>
+              <a:rPr kumimoji="0" lang="zh-CN" altLang="en-US" sz="2000" b="0" i="0" u="none" strike="noStrike" kern="1200" cap="none" spc="0" normalizeH="0" baseline="0" noProof="0" dirty="0" smtClean="0">
+                <a:ln>
+                  <a:noFill/>
+                </a:ln>
+                <a:solidFill>
+                  <a:srgbClr val="00A0D7"/>
+                </a:solidFill>
+                <a:effectLst/>
+                <a:uLnTx/>
+                <a:uFillTx/>
+                <a:latin typeface="Arial" panose="020B0604020202090204" pitchFamily="34" charset="0"/>
+                <a:ea typeface="微软雅黑" panose="020B0503020204020204" pitchFamily="34" charset="-122"/>
+                <a:cs typeface="+mn-cs"/>
+              </a:rPr>
+              <a:t>意向锁：</a:t>
+            </a:r>
+            <a:endParaRPr kumimoji="0" lang="zh-CN" altLang="en-US" sz="2000" b="0" i="0" u="none" strike="noStrike" kern="1200" cap="none" spc="0" normalizeH="0" baseline="0" noProof="0" dirty="0" smtClean="0">
+              <a:ln>
+                <a:noFill/>
+              </a:ln>
+              <a:solidFill>
+                <a:srgbClr val="00A0D7"/>
+              </a:solidFill>
+              <a:effectLst/>
+              <a:uLnTx/>
+              <a:uFillTx/>
+              <a:latin typeface="Arial" panose="020B0604020202090204" pitchFamily="34" charset="0"/>
+              <a:ea typeface="微软雅黑" panose="020B0503020204020204" pitchFamily="34" charset="-122"/>
+              <a:cs typeface="+mn-cs"/>
+            </a:endParaRPr>
+          </a:p>
+          <a:p>
+            <a:pPr marL="0" marR="0" lvl="0" indent="0" algn="l" defTabSz="914400" rtl="0" eaLnBrk="1" fontAlgn="base" latinLnBrk="0" hangingPunct="1">
+              <a:lnSpc>
+                <a:spcPct val="150000"/>
+              </a:lnSpc>
+              <a:spcBef>
+                <a:spcPct val="0"/>
+              </a:spcBef>
+              <a:spcAft>
+                <a:spcPct val="0"/>
+              </a:spcAft>
+              <a:buClrTx/>
+              <a:buSzTx/>
+              <a:buFont typeface="Arial" panose="020B0604020202090204" pitchFamily="34" charset="0"/>
+              <a:buNone/>
+              <a:defRPr/>
+            </a:pPr>
+            <a:r>
+              <a:rPr kumimoji="0" lang="zh-CN" altLang="en-US" sz="2000" b="0" i="0" u="none" strike="noStrike" kern="1200" cap="none" spc="0" normalizeH="0" baseline="0" noProof="0" dirty="0" smtClean="0">
+                <a:ln>
+                  <a:noFill/>
+                </a:ln>
+                <a:solidFill>
+                  <a:srgbClr val="00A0D7"/>
+                </a:solidFill>
+                <a:effectLst/>
+                <a:uLnTx/>
+                <a:uFillTx/>
+                <a:latin typeface="Arial" panose="020B0604020202090204" pitchFamily="34" charset="0"/>
+                <a:ea typeface="微软雅黑" panose="020B0503020204020204" pitchFamily="34" charset="-122"/>
+                <a:cs typeface="+mn-cs"/>
+              </a:rPr>
+              <a:t>记录锁：</a:t>
+            </a:r>
+            <a:endParaRPr kumimoji="0" lang="zh-CN" altLang="en-US" sz="2000" b="0" i="0" u="none" strike="noStrike" kern="1200" cap="none" spc="0" normalizeH="0" baseline="0" noProof="0" dirty="0" smtClean="0">
+              <a:ln>
+                <a:noFill/>
+              </a:ln>
+              <a:solidFill>
+                <a:srgbClr val="00A0D7"/>
+              </a:solidFill>
+              <a:effectLst/>
+              <a:uLnTx/>
+              <a:uFillTx/>
+              <a:latin typeface="Arial" panose="020B0604020202090204" pitchFamily="34" charset="0"/>
+              <a:ea typeface="微软雅黑" panose="020B0503020204020204" pitchFamily="34" charset="-122"/>
+              <a:cs typeface="+mn-cs"/>
+            </a:endParaRPr>
+          </a:p>
+          <a:p>
+            <a:pPr marL="0" marR="0" lvl="0" indent="0" algn="l" defTabSz="914400" rtl="0" eaLnBrk="1" fontAlgn="base" latinLnBrk="0" hangingPunct="1">
+              <a:lnSpc>
+                <a:spcPct val="150000"/>
+              </a:lnSpc>
+              <a:spcBef>
+                <a:spcPct val="0"/>
+              </a:spcBef>
+              <a:spcAft>
+                <a:spcPct val="0"/>
+              </a:spcAft>
+              <a:buClrTx/>
+              <a:buSzTx/>
+              <a:buFont typeface="Arial" panose="020B0604020202090204" pitchFamily="34" charset="0"/>
+              <a:buNone/>
+              <a:defRPr/>
+            </a:pPr>
+            <a:r>
+              <a:rPr kumimoji="0" lang="zh-CN" altLang="en-US" sz="2000" b="0" i="0" u="none" strike="noStrike" kern="1200" cap="none" spc="0" normalizeH="0" baseline="0" noProof="0" dirty="0" smtClean="0">
+                <a:ln>
+                  <a:noFill/>
+                </a:ln>
+                <a:solidFill>
+                  <a:srgbClr val="00A0D7"/>
+                </a:solidFill>
+                <a:effectLst/>
+                <a:uLnTx/>
+                <a:uFillTx/>
+                <a:latin typeface="Arial" panose="020B0604020202090204" pitchFamily="34" charset="0"/>
+                <a:ea typeface="微软雅黑" panose="020B0503020204020204" pitchFamily="34" charset="-122"/>
+                <a:cs typeface="+mn-cs"/>
+              </a:rPr>
+              <a:t>间隙锁：</a:t>
+            </a:r>
+            <a:endParaRPr kumimoji="0" lang="zh-CN" altLang="en-US" sz="2000" b="0" i="0" u="none" strike="noStrike" kern="1200" cap="none" spc="0" normalizeH="0" baseline="0" noProof="0" dirty="0" smtClean="0">
+              <a:ln>
+                <a:noFill/>
+              </a:ln>
+              <a:solidFill>
+                <a:srgbClr val="00A0D7"/>
+              </a:solidFill>
+              <a:effectLst/>
+              <a:uLnTx/>
+              <a:uFillTx/>
+              <a:latin typeface="Arial" panose="020B0604020202090204" pitchFamily="34" charset="0"/>
+              <a:ea typeface="微软雅黑" panose="020B0503020204020204" pitchFamily="34" charset="-122"/>
+              <a:cs typeface="+mn-cs"/>
+            </a:endParaRPr>
+          </a:p>
+          <a:p>
+            <a:pPr marL="0" marR="0" lvl="0" indent="0" algn="l" defTabSz="914400" rtl="0" eaLnBrk="1" fontAlgn="base" latinLnBrk="0" hangingPunct="1">
+              <a:lnSpc>
+                <a:spcPct val="150000"/>
+              </a:lnSpc>
+              <a:spcBef>
+                <a:spcPct val="0"/>
+              </a:spcBef>
+              <a:spcAft>
+                <a:spcPct val="0"/>
+              </a:spcAft>
+              <a:buClrTx/>
+              <a:buSzTx/>
+              <a:buFont typeface="Arial" panose="020B0604020202090204" pitchFamily="34" charset="0"/>
+              <a:buNone/>
+              <a:defRPr/>
+            </a:pPr>
+            <a:r>
+              <a:rPr kumimoji="0" lang="zh-CN" altLang="en-US" sz="2000" b="0" i="0" u="none" strike="noStrike" kern="1200" cap="none" spc="0" normalizeH="0" baseline="0" noProof="0" dirty="0" smtClean="0">
+                <a:ln>
+                  <a:noFill/>
+                </a:ln>
+                <a:solidFill>
+                  <a:srgbClr val="00A0D7"/>
+                </a:solidFill>
+                <a:effectLst/>
+                <a:uLnTx/>
+                <a:uFillTx/>
+                <a:latin typeface="Arial" panose="020B0604020202090204" pitchFamily="34" charset="0"/>
+                <a:ea typeface="微软雅黑" panose="020B0503020204020204" pitchFamily="34" charset="-122"/>
+                <a:cs typeface="+mn-cs"/>
+              </a:rPr>
+              <a:t>插入意向锁：</a:t>
+            </a:r>
+            <a:endParaRPr kumimoji="0" lang="zh-CN" altLang="en-US" sz="2000" b="0" i="0" u="none" strike="noStrike" kern="1200" cap="none" spc="0" normalizeH="0" baseline="0" noProof="0" dirty="0" smtClean="0">
+              <a:ln>
+                <a:noFill/>
+              </a:ln>
+              <a:solidFill>
+                <a:srgbClr val="00A0D7"/>
+              </a:solidFill>
+              <a:effectLst/>
+              <a:uLnTx/>
+              <a:uFillTx/>
+              <a:latin typeface="Arial" panose="020B0604020202090204" pitchFamily="34" charset="0"/>
+              <a:ea typeface="微软雅黑" panose="020B0503020204020204" pitchFamily="34" charset="-122"/>
+              <a:cs typeface="+mn-cs"/>
+            </a:endParaRPr>
+          </a:p>
+          <a:p>
+            <a:pPr marL="0" marR="0" lvl="0" indent="0" algn="l" defTabSz="914400" rtl="0" eaLnBrk="1" fontAlgn="base" latinLnBrk="0" hangingPunct="1">
+              <a:lnSpc>
+                <a:spcPct val="150000"/>
+              </a:lnSpc>
+              <a:spcBef>
+                <a:spcPct val="0"/>
+              </a:spcBef>
+              <a:spcAft>
+                <a:spcPct val="0"/>
+              </a:spcAft>
+              <a:buClrTx/>
+              <a:buSzTx/>
+              <a:buFont typeface="Arial" panose="020B0604020202090204" pitchFamily="34" charset="0"/>
+              <a:buNone/>
+              <a:defRPr/>
+            </a:pPr>
+            <a:r>
+              <a:rPr kumimoji="0" lang="zh-CN" altLang="en-US" sz="2000" b="0" i="0" u="none" strike="noStrike" kern="1200" cap="none" spc="0" normalizeH="0" baseline="0" noProof="0" dirty="0" smtClean="0">
+                <a:ln>
+                  <a:noFill/>
+                </a:ln>
+                <a:solidFill>
+                  <a:srgbClr val="00A0D7"/>
+                </a:solidFill>
+                <a:effectLst/>
+                <a:uLnTx/>
+                <a:uFillTx/>
+                <a:latin typeface="Arial" panose="020B0604020202090204" pitchFamily="34" charset="0"/>
+                <a:ea typeface="微软雅黑" panose="020B0503020204020204" pitchFamily="34" charset="-122"/>
+                <a:cs typeface="+mn-cs"/>
+              </a:rPr>
+              <a:t>自增锁：</a:t>
+            </a:r>
+            <a:endParaRPr kumimoji="0" lang="zh-CN" altLang="en-US" sz="2000" b="0" i="0" u="none" strike="noStrike" kern="1200" cap="none" spc="0" normalizeH="0" baseline="0" noProof="0" dirty="0" smtClean="0">
+              <a:ln>
+                <a:noFill/>
+              </a:ln>
+              <a:solidFill>
+                <a:srgbClr val="00A0D7"/>
+              </a:solidFill>
+              <a:effectLst/>
+              <a:uLnTx/>
+              <a:uFillTx/>
+              <a:latin typeface="Arial" panose="020B0604020202090204" pitchFamily="34" charset="0"/>
+              <a:ea typeface="微软雅黑" panose="020B0503020204020204" pitchFamily="34" charset="-122"/>
+              <a:cs typeface="+mn-cs"/>
+            </a:endParaRPr>
+          </a:p>
         </p:txBody>
       </p:sp>
       <p:pic>
         <p:nvPicPr>
-          <p:cNvPr id="5" name="图片 4"/>
+          <p:cNvPr id="6" name="图片 5"/>
           <p:cNvPicPr>
             <a:picLocks noChangeAspect="1"/>
           </p:cNvPicPr>
@@ -9547,14 +10090,15 @@
         </p:nvPicPr>
         <p:blipFill>
           <a:blip r:embed="rId3"/>
+          <a:srcRect b="3839"/>
           <a:stretch>
             <a:fillRect/>
           </a:stretch>
         </p:blipFill>
         <p:spPr>
           <a:xfrm>
-            <a:off x="2434590" y="1473200"/>
-            <a:ext cx="6667500" cy="5191125"/>
+            <a:off x="3693160" y="2108200"/>
+            <a:ext cx="4533900" cy="1749425"/>
           </a:xfrm>
           <a:prstGeom prst="rect">
             <a:avLst/>
@@ -9903,6 +10447,1199 @@
         </p:nvSpPr>
         <p:spPr bwMode="auto">
           <a:xfrm>
+            <a:off x="340360" y="789305"/>
+            <a:ext cx="4856480" cy="738505"/>
+          </a:xfrm>
+          <a:prstGeom prst="rect">
+            <a:avLst/>
+          </a:prstGeom>
+          <a:noFill/>
+          <a:ln w="9525">
+            <a:noFill/>
+            <a:miter lim="800000"/>
+          </a:ln>
+        </p:spPr>
+        <p:txBody>
+          <a:bodyPr wrap="square" lIns="93315" tIns="46657" rIns="93315" bIns="46657">
+            <a:spAutoFit/>
+          </a:bodyPr>
+          <a:lstStyle/>
+          <a:p>
+            <a:pPr marL="0" marR="0" lvl="0" indent="0" algn="l" defTabSz="914400" rtl="0" eaLnBrk="1" fontAlgn="base" latinLnBrk="0" hangingPunct="1">
+              <a:lnSpc>
+                <a:spcPct val="150000"/>
+              </a:lnSpc>
+              <a:spcBef>
+                <a:spcPct val="0"/>
+              </a:spcBef>
+              <a:spcAft>
+                <a:spcPct val="0"/>
+              </a:spcAft>
+              <a:buClrTx/>
+              <a:buSzTx/>
+              <a:buFont typeface="Arial" panose="020B0604020202090204" pitchFamily="34" charset="0"/>
+              <a:buNone/>
+              <a:defRPr/>
+            </a:pPr>
+            <a:r>
+              <a:rPr kumimoji="0" lang="zh-CN" altLang="en-US" sz="2800" b="0" i="0" u="none" strike="noStrike" kern="1200" cap="none" spc="0" normalizeH="0" baseline="0" noProof="0" dirty="0" smtClean="0">
+                <a:ln>
+                  <a:noFill/>
+                </a:ln>
+                <a:solidFill>
+                  <a:srgbClr val="00A0D7"/>
+                </a:solidFill>
+                <a:effectLst/>
+                <a:uLnTx/>
+                <a:uFillTx/>
+                <a:latin typeface="Arial" panose="020B0604020202090204" pitchFamily="34" charset="0"/>
+                <a:ea typeface="微软雅黑" panose="020B0503020204020204" pitchFamily="34" charset="-122"/>
+                <a:cs typeface="+mn-cs"/>
+              </a:rPr>
+              <a:t>不同隔离级别的特殊处理</a:t>
+            </a:r>
+            <a:endParaRPr kumimoji="0" lang="zh-CN" altLang="en-US" sz="2800" b="0" i="0" u="none" strike="noStrike" kern="1200" cap="none" spc="0" normalizeH="0" baseline="0" noProof="0" dirty="0" smtClean="0">
+              <a:ln>
+                <a:noFill/>
+              </a:ln>
+              <a:solidFill>
+                <a:srgbClr val="00A0D7"/>
+              </a:solidFill>
+              <a:effectLst/>
+              <a:uLnTx/>
+              <a:uFillTx/>
+              <a:latin typeface="Arial" panose="020B0604020202090204" pitchFamily="34" charset="0"/>
+              <a:ea typeface="微软雅黑" panose="020B0503020204020204" pitchFamily="34" charset="-122"/>
+              <a:cs typeface="+mn-cs"/>
+            </a:endParaRPr>
+          </a:p>
+        </p:txBody>
+      </p:sp>
+      <p:sp>
+        <p:nvSpPr>
+          <p:cNvPr id="2" name="Text Box 2"/>
+          <p:cNvSpPr txBox="1">
+            <a:spLocks noChangeArrowheads="1"/>
+          </p:cNvSpPr>
+          <p:nvPr/>
+        </p:nvSpPr>
+        <p:spPr bwMode="auto">
+          <a:xfrm>
+            <a:off x="809625" y="2336165"/>
+            <a:ext cx="9572625" cy="646430"/>
+          </a:xfrm>
+          <a:prstGeom prst="rect">
+            <a:avLst/>
+          </a:prstGeom>
+          <a:noFill/>
+          <a:ln w="9525">
+            <a:noFill/>
+            <a:miter lim="800000"/>
+          </a:ln>
+        </p:spPr>
+        <p:txBody>
+          <a:bodyPr wrap="square" lIns="93315" tIns="46657" rIns="93315" bIns="46657">
+            <a:spAutoFit/>
+          </a:bodyPr>
+          <a:p>
+            <a:pPr marL="0" marR="0" lvl="0" indent="0" algn="r" defTabSz="914400" rtl="0" eaLnBrk="1" fontAlgn="base" latinLnBrk="0" hangingPunct="1">
+              <a:lnSpc>
+                <a:spcPct val="150000"/>
+              </a:lnSpc>
+              <a:spcBef>
+                <a:spcPct val="0"/>
+              </a:spcBef>
+              <a:spcAft>
+                <a:spcPct val="0"/>
+              </a:spcAft>
+              <a:buClrTx/>
+              <a:buSzTx/>
+              <a:buFont typeface="Arial" panose="020B0604020202090204" pitchFamily="34" charset="0"/>
+              <a:buNone/>
+              <a:defRPr/>
+            </a:pPr>
+            <a:r>
+              <a:rPr kumimoji="0" lang="zh-CN" altLang="en-US" sz="2400" b="0" i="0" u="none" strike="noStrike" kern="1200" cap="none" spc="0" normalizeH="0" baseline="0" noProof="0" dirty="0" smtClean="0">
+                <a:ln>
+                  <a:noFill/>
+                </a:ln>
+                <a:solidFill>
+                  <a:srgbClr val="00A0D7"/>
+                </a:solidFill>
+                <a:effectLst/>
+                <a:uLnTx/>
+                <a:uFillTx/>
+                <a:latin typeface="Arial" panose="020B0604020202090204" pitchFamily="34" charset="0"/>
+                <a:ea typeface="微软雅黑" panose="020B0503020204020204" pitchFamily="34" charset="-122"/>
+                <a:cs typeface="+mn-cs"/>
+              </a:rPr>
+              <a:t>普通</a:t>
+            </a:r>
+            <a:r>
+              <a:rPr kumimoji="0" lang="en-US" altLang="zh-CN" sz="2400" b="0" i="0" u="none" strike="noStrike" kern="1200" cap="none" spc="0" normalizeH="0" baseline="0" noProof="0" dirty="0" smtClean="0">
+                <a:ln>
+                  <a:noFill/>
+                </a:ln>
+                <a:solidFill>
+                  <a:srgbClr val="00A0D7"/>
+                </a:solidFill>
+                <a:effectLst/>
+                <a:uLnTx/>
+                <a:uFillTx/>
+                <a:latin typeface="Arial" panose="020B0604020202090204" pitchFamily="34" charset="0"/>
+                <a:ea typeface="微软雅黑" panose="020B0503020204020204" pitchFamily="34" charset="-122"/>
+                <a:cs typeface="+mn-cs"/>
+              </a:rPr>
+              <a:t>select</a:t>
+            </a:r>
+            <a:endParaRPr kumimoji="0" lang="en-US" altLang="zh-CN" sz="2400" b="0" i="0" u="none" strike="noStrike" kern="1200" cap="none" spc="0" normalizeH="0" baseline="0" noProof="0" dirty="0" smtClean="0">
+              <a:ln>
+                <a:noFill/>
+              </a:ln>
+              <a:solidFill>
+                <a:srgbClr val="00A0D7"/>
+              </a:solidFill>
+              <a:effectLst/>
+              <a:uLnTx/>
+              <a:uFillTx/>
+              <a:latin typeface="Arial" panose="020B0604020202090204" pitchFamily="34" charset="0"/>
+              <a:ea typeface="微软雅黑" panose="020B0503020204020204" pitchFamily="34" charset="-122"/>
+              <a:cs typeface="+mn-cs"/>
+            </a:endParaRPr>
+          </a:p>
+        </p:txBody>
+      </p:sp>
+      <p:sp>
+        <p:nvSpPr>
+          <p:cNvPr id="6" name="Text Box 2"/>
+          <p:cNvSpPr txBox="1">
+            <a:spLocks noChangeArrowheads="1"/>
+          </p:cNvSpPr>
+          <p:nvPr/>
+        </p:nvSpPr>
+        <p:spPr bwMode="auto">
+          <a:xfrm>
+            <a:off x="809625" y="3898900"/>
+            <a:ext cx="8980805" cy="646430"/>
+          </a:xfrm>
+          <a:prstGeom prst="rect">
+            <a:avLst/>
+          </a:prstGeom>
+          <a:noFill/>
+          <a:ln w="9525">
+            <a:noFill/>
+            <a:miter lim="800000"/>
+          </a:ln>
+        </p:spPr>
+        <p:txBody>
+          <a:bodyPr wrap="square" lIns="93315" tIns="46657" rIns="93315" bIns="46657">
+            <a:spAutoFit/>
+          </a:bodyPr>
+          <a:p>
+            <a:pPr marL="0" marR="0" lvl="0" indent="0" algn="r" defTabSz="914400" rtl="0" eaLnBrk="1" fontAlgn="base" latinLnBrk="0" hangingPunct="1">
+              <a:lnSpc>
+                <a:spcPct val="150000"/>
+              </a:lnSpc>
+              <a:spcBef>
+                <a:spcPct val="0"/>
+              </a:spcBef>
+              <a:spcAft>
+                <a:spcPct val="0"/>
+              </a:spcAft>
+              <a:buClrTx/>
+              <a:buSzTx/>
+              <a:buFont typeface="Arial" panose="020B0604020202090204" pitchFamily="34" charset="0"/>
+              <a:buNone/>
+              <a:defRPr/>
+            </a:pPr>
+            <a:r>
+              <a:rPr kumimoji="0" lang="en-US" altLang="zh-CN" sz="2400" b="0" i="0" u="none" strike="noStrike" kern="1200" cap="none" spc="0" normalizeH="0" baseline="0" noProof="0" dirty="0" smtClean="0">
+                <a:ln>
+                  <a:noFill/>
+                </a:ln>
+                <a:solidFill>
+                  <a:srgbClr val="00A0D7"/>
+                </a:solidFill>
+                <a:effectLst/>
+                <a:uLnTx/>
+                <a:uFillTx/>
+                <a:latin typeface="Arial" panose="020B0604020202090204" pitchFamily="34" charset="0"/>
+                <a:ea typeface="微软雅黑" panose="020B0503020204020204" pitchFamily="34" charset="-122"/>
+                <a:cs typeface="+mn-cs"/>
+              </a:rPr>
+              <a:t>DML</a:t>
+            </a:r>
+            <a:endParaRPr kumimoji="0" lang="en-US" altLang="zh-CN" sz="2400" b="0" i="0" u="none" strike="noStrike" kern="1200" cap="none" spc="0" normalizeH="0" baseline="0" noProof="0" dirty="0" smtClean="0">
+              <a:ln>
+                <a:noFill/>
+              </a:ln>
+              <a:solidFill>
+                <a:srgbClr val="00A0D7"/>
+              </a:solidFill>
+              <a:effectLst/>
+              <a:uLnTx/>
+              <a:uFillTx/>
+              <a:latin typeface="Arial" panose="020B0604020202090204" pitchFamily="34" charset="0"/>
+              <a:ea typeface="微软雅黑" panose="020B0503020204020204" pitchFamily="34" charset="-122"/>
+              <a:cs typeface="+mn-cs"/>
+            </a:endParaRPr>
+          </a:p>
+        </p:txBody>
+      </p:sp>
+      <p:sp>
+        <p:nvSpPr>
+          <p:cNvPr id="7" name="文本框 6"/>
+          <p:cNvSpPr txBox="1"/>
+          <p:nvPr/>
+        </p:nvSpPr>
+        <p:spPr>
+          <a:xfrm>
+            <a:off x="809625" y="1992630"/>
+            <a:ext cx="3190875" cy="2677795"/>
+          </a:xfrm>
+          <a:prstGeom prst="rect">
+            <a:avLst/>
+          </a:prstGeom>
+          <a:noFill/>
+          <a:ln w="9525">
+            <a:noFill/>
+            <a:miter lim="800000"/>
+          </a:ln>
+        </p:spPr>
+        <p:txBody>
+          <a:bodyPr wrap="square" lIns="93315" tIns="46657" rIns="93315" bIns="46657">
+            <a:spAutoFit/>
+          </a:bodyPr>
+          <a:p>
+            <a:r>
+              <a:rPr lang="zh-CN" altLang="en-US" sz="2400" dirty="0">
+                <a:solidFill>
+                  <a:srgbClr val="00A0D7"/>
+                </a:solidFill>
+                <a:latin typeface="微软雅黑" panose="020B0503020204020204" pitchFamily="34" charset="-122"/>
+                <a:ea typeface="微软雅黑" panose="020B0503020204020204" pitchFamily="34" charset="-122"/>
+              </a:rPr>
+              <a:t>未提交读</a:t>
+            </a:r>
+            <a:endParaRPr lang="zh-CN" altLang="en-US" sz="2400" dirty="0">
+              <a:solidFill>
+                <a:srgbClr val="00A0D7"/>
+              </a:solidFill>
+              <a:latin typeface="微软雅黑" panose="020B0503020204020204" pitchFamily="34" charset="-122"/>
+              <a:ea typeface="微软雅黑" panose="020B0503020204020204" pitchFamily="34" charset="-122"/>
+            </a:endParaRPr>
+          </a:p>
+          <a:p>
+            <a:endParaRPr lang="zh-CN" altLang="en-US" sz="2400" dirty="0">
+              <a:solidFill>
+                <a:srgbClr val="00A0D7"/>
+              </a:solidFill>
+              <a:latin typeface="微软雅黑" panose="020B0503020204020204" pitchFamily="34" charset="-122"/>
+              <a:ea typeface="微软雅黑" panose="020B0503020204020204" pitchFamily="34" charset="-122"/>
+            </a:endParaRPr>
+          </a:p>
+          <a:p>
+            <a:r>
+              <a:rPr lang="zh-CN" altLang="en-US" sz="2400" dirty="0">
+                <a:solidFill>
+                  <a:srgbClr val="00A0D7"/>
+                </a:solidFill>
+                <a:latin typeface="微软雅黑" panose="020B0503020204020204" pitchFamily="34" charset="-122"/>
+                <a:ea typeface="微软雅黑" panose="020B0503020204020204" pitchFamily="34" charset="-122"/>
+              </a:rPr>
+              <a:t>提交读</a:t>
+            </a:r>
+            <a:endParaRPr lang="zh-CN" altLang="en-US" sz="2400" dirty="0">
+              <a:solidFill>
+                <a:srgbClr val="00A0D7"/>
+              </a:solidFill>
+              <a:latin typeface="微软雅黑" panose="020B0503020204020204" pitchFamily="34" charset="-122"/>
+              <a:ea typeface="微软雅黑" panose="020B0503020204020204" pitchFamily="34" charset="-122"/>
+            </a:endParaRPr>
+          </a:p>
+          <a:p>
+            <a:endParaRPr lang="zh-CN" altLang="en-US" sz="2400" dirty="0">
+              <a:solidFill>
+                <a:srgbClr val="00A0D7"/>
+              </a:solidFill>
+              <a:latin typeface="微软雅黑" panose="020B0503020204020204" pitchFamily="34" charset="-122"/>
+              <a:ea typeface="微软雅黑" panose="020B0503020204020204" pitchFamily="34" charset="-122"/>
+            </a:endParaRPr>
+          </a:p>
+          <a:p>
+            <a:r>
+              <a:rPr lang="zh-CN" altLang="en-US" sz="2400" dirty="0">
+                <a:solidFill>
+                  <a:srgbClr val="00A0D7"/>
+                </a:solidFill>
+                <a:latin typeface="微软雅黑" panose="020B0503020204020204" pitchFamily="34" charset="-122"/>
+                <a:ea typeface="微软雅黑" panose="020B0503020204020204" pitchFamily="34" charset="-122"/>
+              </a:rPr>
+              <a:t>可重复读</a:t>
+            </a:r>
+            <a:endParaRPr lang="zh-CN" altLang="en-US" sz="2400" dirty="0">
+              <a:solidFill>
+                <a:srgbClr val="00A0D7"/>
+              </a:solidFill>
+              <a:latin typeface="微软雅黑" panose="020B0503020204020204" pitchFamily="34" charset="-122"/>
+              <a:ea typeface="微软雅黑" panose="020B0503020204020204" pitchFamily="34" charset="-122"/>
+            </a:endParaRPr>
+          </a:p>
+          <a:p>
+            <a:endParaRPr lang="zh-CN" altLang="en-US" sz="2400" dirty="0">
+              <a:solidFill>
+                <a:srgbClr val="00A0D7"/>
+              </a:solidFill>
+              <a:latin typeface="微软雅黑" panose="020B0503020204020204" pitchFamily="34" charset="-122"/>
+              <a:ea typeface="微软雅黑" panose="020B0503020204020204" pitchFamily="34" charset="-122"/>
+            </a:endParaRPr>
+          </a:p>
+          <a:p>
+            <a:r>
+              <a:rPr lang="zh-CN" altLang="en-US" sz="2400" dirty="0">
+                <a:solidFill>
+                  <a:srgbClr val="00A0D7"/>
+                </a:solidFill>
+                <a:latin typeface="微软雅黑" panose="020B0503020204020204" pitchFamily="34" charset="-122"/>
+                <a:ea typeface="微软雅黑" panose="020B0503020204020204" pitchFamily="34" charset="-122"/>
+              </a:rPr>
+              <a:t>串行读</a:t>
+            </a:r>
+            <a:endParaRPr lang="zh-CN" altLang="en-US" sz="2400" dirty="0">
+              <a:solidFill>
+                <a:srgbClr val="00A0D7"/>
+              </a:solidFill>
+              <a:latin typeface="微软雅黑" panose="020B0503020204020204" pitchFamily="34" charset="-122"/>
+              <a:ea typeface="微软雅黑" panose="020B0503020204020204" pitchFamily="34" charset="-122"/>
+            </a:endParaRPr>
+          </a:p>
+        </p:txBody>
+      </p:sp>
+    </p:spTree>
+  </p:cSld>
+  <p:clrMapOvr>
+    <a:masterClrMapping/>
+  </p:clrMapOvr>
+  <p:transition>
+    <p:wedge/>
+  </p:transition>
+  <p:timing>
+    <p:tnLst>
+      <p:par>
+        <p:cTn id="1" dur="indefinite" restart="never" nodeType="tmRoot"/>
+      </p:par>
+    </p:tnLst>
+  </p:timing>
+</p:sld>
+</file>
+
+<file path=ppt/slides/slide16.xml><?xml version="1.0" encoding="utf-8"?>
+<p:sld xmlns:a="http://schemas.openxmlformats.org/drawingml/2006/main" xmlns:r="http://schemas.openxmlformats.org/officeDocument/2006/relationships" xmlns:p="http://schemas.openxmlformats.org/presentationml/2006/main">
+  <p:cSld>
+    <p:spTree>
+      <p:nvGrpSpPr>
+        <p:cNvPr id="1" name=""/>
+        <p:cNvGrpSpPr/>
+        <p:nvPr/>
+      </p:nvGrpSpPr>
+      <p:grpSpPr>
+        <a:xfrm>
+          <a:off x="0" y="0"/>
+          <a:ext cx="0" cy="0"/>
+          <a:chOff x="0" y="0"/>
+          <a:chExt cx="0" cy="0"/>
+        </a:xfrm>
+      </p:grpSpPr>
+      <p:sp>
+        <p:nvSpPr>
+          <p:cNvPr id="2051" name="Text Box 4"/>
+          <p:cNvSpPr txBox="1">
+            <a:spLocks noChangeArrowheads="1"/>
+          </p:cNvSpPr>
+          <p:nvPr/>
+        </p:nvSpPr>
+        <p:spPr bwMode="auto">
+          <a:xfrm>
+            <a:off x="4492625" y="6824663"/>
+            <a:ext cx="3236913" cy="304800"/>
+          </a:xfrm>
+          <a:prstGeom prst="rect">
+            <a:avLst/>
+          </a:prstGeom>
+          <a:noFill/>
+          <a:ln w="9525">
+            <a:noFill/>
+            <a:miter lim="800000"/>
+          </a:ln>
+        </p:spPr>
+        <p:txBody>
+          <a:bodyPr lIns="93315" tIns="46657" rIns="93315" bIns="46657">
+            <a:spAutoFit/>
+          </a:bodyPr>
+          <a:lstStyle/>
+          <a:p>
+            <a:pPr marL="0" marR="0" lvl="0" indent="0" algn="l" defTabSz="914400" rtl="0" eaLnBrk="1" fontAlgn="base" latinLnBrk="0" hangingPunct="1">
+              <a:lnSpc>
+                <a:spcPct val="100000"/>
+              </a:lnSpc>
+              <a:spcBef>
+                <a:spcPct val="0"/>
+              </a:spcBef>
+              <a:spcAft>
+                <a:spcPct val="0"/>
+              </a:spcAft>
+              <a:buClrTx/>
+              <a:buSzTx/>
+              <a:buFont typeface="Arial" panose="020B0604020202090204" pitchFamily="34" charset="0"/>
+              <a:buNone/>
+              <a:defRPr/>
+            </a:pPr>
+            <a:r>
+              <a:rPr kumimoji="0" lang="zh-CN" altLang="en-US" sz="1300" b="0" i="0" u="none" strike="noStrike" kern="1200" cap="none" spc="0" normalizeH="0" baseline="0" noProof="0">
+                <a:ln>
+                  <a:noFill/>
+                </a:ln>
+                <a:solidFill>
+                  <a:srgbClr val="FFFFFF"/>
+                </a:solidFill>
+                <a:effectLst/>
+                <a:uLnTx/>
+                <a:uFillTx/>
+                <a:latin typeface="微软雅黑" panose="020B0503020204020204" pitchFamily="34" charset="-122"/>
+                <a:ea typeface="微软雅黑" panose="020B0503020204020204" pitchFamily="34" charset="-122"/>
+                <a:cs typeface="+mn-cs"/>
+              </a:rPr>
+              <a:t>哔哩哔哩 </a:t>
+            </a:r>
+            <a:r>
+              <a:rPr kumimoji="0" lang="zh-CN" altLang="zh-CN" sz="1300" b="0" i="0" u="none" strike="noStrike" kern="1200" cap="none" spc="0" normalizeH="0" baseline="0" noProof="0">
+                <a:ln>
+                  <a:noFill/>
+                </a:ln>
+                <a:solidFill>
+                  <a:srgbClr val="FFFFFF"/>
+                </a:solidFill>
+                <a:effectLst/>
+                <a:uLnTx/>
+                <a:uFillTx/>
+                <a:latin typeface="微软雅黑" panose="020B0503020204020204" pitchFamily="34" charset="-122"/>
+                <a:ea typeface="微软雅黑" panose="020B0503020204020204" pitchFamily="34" charset="-122"/>
+                <a:cs typeface="+mn-cs"/>
+              </a:rPr>
+              <a:t>- ( </a:t>
+            </a:r>
+            <a:r>
+              <a:rPr kumimoji="0" lang="zh-CN" altLang="en-US" sz="1300" b="0" i="0" u="none" strike="noStrike" kern="1200" cap="none" spc="0" normalizeH="0" baseline="0" noProof="0">
+                <a:ln>
+                  <a:noFill/>
+                </a:ln>
+                <a:solidFill>
+                  <a:srgbClr val="FFFFFF"/>
+                </a:solidFill>
+                <a:effectLst/>
+                <a:uLnTx/>
+                <a:uFillTx/>
+                <a:latin typeface="微软雅黑" panose="020B0503020204020204" pitchFamily="34" charset="-122"/>
+                <a:ea typeface="微软雅黑" panose="020B0503020204020204" pitchFamily="34" charset="-122"/>
+                <a:cs typeface="+mn-cs"/>
+              </a:rPr>
+              <a:t>゜</a:t>
+            </a:r>
+            <a:r>
+              <a:rPr kumimoji="0" lang="zh-CN" altLang="zh-CN" sz="1300" b="0" i="0" u="none" strike="noStrike" kern="1200" cap="none" spc="0" normalizeH="0" baseline="0" noProof="0">
+                <a:ln>
+                  <a:noFill/>
+                </a:ln>
+                <a:solidFill>
+                  <a:srgbClr val="FFFFFF"/>
+                </a:solidFill>
+                <a:effectLst/>
+                <a:uLnTx/>
+                <a:uFillTx/>
+                <a:latin typeface="微软雅黑" panose="020B0503020204020204" pitchFamily="34" charset="-122"/>
+                <a:ea typeface="微软雅黑" panose="020B0503020204020204" pitchFamily="34" charset="-122"/>
+                <a:cs typeface="+mn-cs"/>
+              </a:rPr>
+              <a:t>- </a:t>
+            </a:r>
+            <a:r>
+              <a:rPr kumimoji="0" lang="zh-CN" altLang="en-US" sz="1300" b="0" i="0" u="none" strike="noStrike" kern="1200" cap="none" spc="0" normalizeH="0" baseline="0" noProof="0">
+                <a:ln>
+                  <a:noFill/>
+                </a:ln>
+                <a:solidFill>
+                  <a:srgbClr val="FFFFFF"/>
+                </a:solidFill>
+                <a:effectLst/>
+                <a:uLnTx/>
+                <a:uFillTx/>
+                <a:latin typeface="微软雅黑" panose="020B0503020204020204" pitchFamily="34" charset="-122"/>
+                <a:ea typeface="微软雅黑" panose="020B0503020204020204" pitchFamily="34" charset="-122"/>
+                <a:cs typeface="+mn-cs"/>
+              </a:rPr>
+              <a:t>゜</a:t>
+            </a:r>
+            <a:r>
+              <a:rPr kumimoji="0" lang="zh-CN" altLang="zh-CN" sz="1300" b="0" i="0" u="none" strike="noStrike" kern="1200" cap="none" spc="0" normalizeH="0" baseline="0" noProof="0">
+                <a:ln>
+                  <a:noFill/>
+                </a:ln>
+                <a:solidFill>
+                  <a:srgbClr val="FFFFFF"/>
+                </a:solidFill>
+                <a:effectLst/>
+                <a:uLnTx/>
+                <a:uFillTx/>
+                <a:latin typeface="微软雅黑" panose="020B0503020204020204" pitchFamily="34" charset="-122"/>
+                <a:ea typeface="微软雅黑" panose="020B0503020204020204" pitchFamily="34" charset="-122"/>
+                <a:cs typeface="+mn-cs"/>
+              </a:rPr>
+              <a:t>)</a:t>
+            </a:r>
+            <a:r>
+              <a:rPr kumimoji="0" lang="zh-CN" altLang="en-US" sz="1300" b="0" i="0" u="none" strike="noStrike" kern="1200" cap="none" spc="0" normalizeH="0" baseline="0" noProof="0">
+                <a:ln>
+                  <a:noFill/>
+                </a:ln>
+                <a:solidFill>
+                  <a:srgbClr val="FFFFFF"/>
+                </a:solidFill>
+                <a:effectLst/>
+                <a:uLnTx/>
+                <a:uFillTx/>
+                <a:latin typeface="微软雅黑" panose="020B0503020204020204" pitchFamily="34" charset="-122"/>
+                <a:ea typeface="微软雅黑" panose="020B0503020204020204" pitchFamily="34" charset="-122"/>
+                <a:cs typeface="+mn-cs"/>
+              </a:rPr>
+              <a:t>つロ  乾杯</a:t>
+            </a:r>
+            <a:r>
+              <a:rPr kumimoji="0" lang="zh-CN" altLang="zh-CN" sz="1300" b="0" i="0" u="none" strike="noStrike" kern="1200" cap="none" spc="0" normalizeH="0" baseline="0" noProof="0">
+                <a:ln>
+                  <a:noFill/>
+                </a:ln>
+                <a:solidFill>
+                  <a:srgbClr val="FFFFFF"/>
+                </a:solidFill>
+                <a:effectLst/>
+                <a:uLnTx/>
+                <a:uFillTx/>
+                <a:latin typeface="微软雅黑" panose="020B0503020204020204" pitchFamily="34" charset="-122"/>
+                <a:ea typeface="微软雅黑" panose="020B0503020204020204" pitchFamily="34" charset="-122"/>
+                <a:cs typeface="+mn-cs"/>
+              </a:rPr>
+              <a:t>~  - bilibili</a:t>
+            </a:r>
+            <a:endParaRPr kumimoji="0" lang="zh-CN" altLang="zh-CN" sz="1300" b="0" i="0" u="none" strike="noStrike" kern="1200" cap="none" spc="0" normalizeH="0" baseline="0" noProof="0">
+              <a:ln>
+                <a:noFill/>
+              </a:ln>
+              <a:solidFill>
+                <a:srgbClr val="FFFFFF"/>
+              </a:solidFill>
+              <a:effectLst/>
+              <a:uLnTx/>
+              <a:uFillTx/>
+              <a:latin typeface="微软雅黑" panose="020B0503020204020204" pitchFamily="34" charset="-122"/>
+              <a:ea typeface="微软雅黑" panose="020B0503020204020204" pitchFamily="34" charset="-122"/>
+              <a:cs typeface="+mn-cs"/>
+            </a:endParaRPr>
+          </a:p>
+        </p:txBody>
+      </p:sp>
+      <p:pic>
+        <p:nvPicPr>
+          <p:cNvPr id="2052" name="Picture 5" descr="pic01"/>
+          <p:cNvPicPr>
+            <a:picLocks noChangeAspect="1" noChangeArrowheads="1"/>
+          </p:cNvPicPr>
+          <p:nvPr/>
+        </p:nvPicPr>
+        <p:blipFill>
+          <a:blip r:embed="rId1"/>
+          <a:srcRect/>
+          <a:stretch>
+            <a:fillRect/>
+          </a:stretch>
+        </p:blipFill>
+        <p:spPr bwMode="auto">
+          <a:xfrm>
+            <a:off x="3175" y="-187138"/>
+            <a:ext cx="12238038" cy="1911350"/>
+          </a:xfrm>
+          <a:prstGeom prst="rect">
+            <a:avLst/>
+          </a:prstGeom>
+          <a:noFill/>
+          <a:ln w="9525">
+            <a:noFill/>
+            <a:miter lim="800000"/>
+            <a:headEnd/>
+            <a:tailEnd/>
+          </a:ln>
+        </p:spPr>
+      </p:pic>
+      <p:pic>
+        <p:nvPicPr>
+          <p:cNvPr id="2053" name="Picture 6" descr="pic02"/>
+          <p:cNvPicPr>
+            <a:picLocks noChangeAspect="1" noChangeArrowheads="1"/>
+          </p:cNvPicPr>
+          <p:nvPr/>
+        </p:nvPicPr>
+        <p:blipFill>
+          <a:blip r:embed="rId2"/>
+          <a:srcRect/>
+          <a:stretch>
+            <a:fillRect/>
+          </a:stretch>
+        </p:blipFill>
+        <p:spPr bwMode="auto">
+          <a:xfrm>
+            <a:off x="3175" y="5672138"/>
+            <a:ext cx="12241213" cy="1528762"/>
+          </a:xfrm>
+          <a:prstGeom prst="rect">
+            <a:avLst/>
+          </a:prstGeom>
+          <a:noFill/>
+          <a:ln w="9525">
+            <a:noFill/>
+            <a:miter lim="800000"/>
+            <a:headEnd/>
+            <a:tailEnd/>
+          </a:ln>
+        </p:spPr>
+      </p:pic>
+      <p:sp>
+        <p:nvSpPr>
+          <p:cNvPr id="3" name="文本框 2"/>
+          <p:cNvSpPr txBox="1"/>
+          <p:nvPr/>
+        </p:nvSpPr>
+        <p:spPr bwMode="auto">
+          <a:xfrm>
+            <a:off x="340660" y="5880852"/>
+            <a:ext cx="5719482" cy="540501"/>
+          </a:xfrm>
+          <a:prstGeom prst="rect">
+            <a:avLst/>
+          </a:prstGeom>
+          <a:noFill/>
+          <a:ln w="9525">
+            <a:noFill/>
+            <a:miter lim="800000"/>
+          </a:ln>
+        </p:spPr>
+        <p:txBody>
+          <a:bodyPr wrap="square" lIns="93315" tIns="46657" rIns="93315" bIns="46657" rtlCol="0">
+            <a:spAutoFit/>
+          </a:bodyPr>
+          <a:lstStyle/>
+          <a:p>
+            <a:endParaRPr lang="zh-CN" altLang="en-US" sz="2900" i="1" u="sng" dirty="0">
+              <a:solidFill>
+                <a:srgbClr val="FF0000"/>
+              </a:solidFill>
+              <a:latin typeface="微软雅黑" panose="020B0503020204020204" pitchFamily="34" charset="-122"/>
+              <a:ea typeface="微软雅黑" panose="020B0503020204020204" pitchFamily="34" charset="-122"/>
+            </a:endParaRPr>
+          </a:p>
+        </p:txBody>
+      </p:sp>
+      <p:sp>
+        <p:nvSpPr>
+          <p:cNvPr id="2050" name="Text Box 2"/>
+          <p:cNvSpPr txBox="1">
+            <a:spLocks noChangeArrowheads="1"/>
+          </p:cNvSpPr>
+          <p:nvPr/>
+        </p:nvSpPr>
+        <p:spPr bwMode="auto">
+          <a:xfrm>
+            <a:off x="3175" y="440055"/>
+            <a:ext cx="3636010" cy="1569720"/>
+          </a:xfrm>
+          <a:prstGeom prst="rect">
+            <a:avLst/>
+          </a:prstGeom>
+          <a:noFill/>
+          <a:ln w="9525">
+            <a:noFill/>
+            <a:miter lim="800000"/>
+          </a:ln>
+        </p:spPr>
+        <p:txBody>
+          <a:bodyPr wrap="square" lIns="93315" tIns="46657" rIns="93315" bIns="46657">
+            <a:spAutoFit/>
+          </a:bodyPr>
+          <a:lstStyle/>
+          <a:p>
+            <a:pPr marL="0" marR="0" lvl="0" indent="0" algn="ctr" defTabSz="914400" rtl="0" eaLnBrk="1" fontAlgn="base" latinLnBrk="0" hangingPunct="1">
+              <a:lnSpc>
+                <a:spcPct val="150000"/>
+              </a:lnSpc>
+              <a:spcBef>
+                <a:spcPct val="0"/>
+              </a:spcBef>
+              <a:spcAft>
+                <a:spcPct val="0"/>
+              </a:spcAft>
+              <a:buClrTx/>
+              <a:buSzTx/>
+              <a:buFont typeface="Arial" panose="020B0604020202090204" pitchFamily="34" charset="0"/>
+              <a:buNone/>
+              <a:defRPr/>
+            </a:pPr>
+            <a:r>
+              <a:rPr kumimoji="0" lang="en-US" altLang="zh-CN" sz="3600" b="0" i="0" u="none" strike="noStrike" kern="1200" cap="none" spc="0" normalizeH="0" baseline="0" noProof="0" dirty="0" smtClean="0">
+                <a:ln>
+                  <a:noFill/>
+                </a:ln>
+                <a:solidFill>
+                  <a:srgbClr val="00A0D7"/>
+                </a:solidFill>
+                <a:effectLst/>
+                <a:uLnTx/>
+                <a:uFillTx/>
+                <a:latin typeface="Arial" panose="020B0604020202090204" pitchFamily="34" charset="0"/>
+                <a:ea typeface="微软雅黑" panose="020B0503020204020204" pitchFamily="34" charset="-122"/>
+                <a:cs typeface="+mn-cs"/>
+              </a:rPr>
+              <a:t>InnoDB</a:t>
+            </a:r>
+            <a:r>
+              <a:rPr kumimoji="0" lang="zh-CN" altLang="en-US" sz="3600" b="0" i="0" u="none" strike="noStrike" kern="1200" cap="none" spc="0" normalizeH="0" baseline="0" noProof="0" dirty="0" smtClean="0">
+                <a:ln>
+                  <a:noFill/>
+                </a:ln>
+                <a:solidFill>
+                  <a:srgbClr val="00A0D7"/>
+                </a:solidFill>
+                <a:effectLst/>
+                <a:uLnTx/>
+                <a:uFillTx/>
+                <a:latin typeface="Arial" panose="020B0604020202090204" pitchFamily="34" charset="0"/>
+                <a:ea typeface="微软雅黑" panose="020B0503020204020204" pitchFamily="34" charset="-122"/>
+                <a:cs typeface="+mn-cs"/>
+              </a:rPr>
+              <a:t>存储结构</a:t>
+            </a:r>
+            <a:endParaRPr kumimoji="0" lang="en-US" altLang="zh-CN" sz="2800" b="0" i="0" u="none" strike="noStrike" kern="1200" cap="none" spc="0" normalizeH="0" baseline="0" noProof="0" dirty="0" smtClean="0">
+              <a:ln>
+                <a:noFill/>
+              </a:ln>
+              <a:solidFill>
+                <a:srgbClr val="00A0D7"/>
+              </a:solidFill>
+              <a:effectLst/>
+              <a:uLnTx/>
+              <a:uFillTx/>
+              <a:latin typeface="Arial" panose="020B0604020202090204" pitchFamily="34" charset="0"/>
+              <a:ea typeface="微软雅黑" panose="020B0503020204020204" pitchFamily="34" charset="-122"/>
+              <a:cs typeface="+mn-cs"/>
+            </a:endParaRPr>
+          </a:p>
+          <a:p>
+            <a:pPr marL="0" marR="0" lvl="0" indent="0" algn="ctr" defTabSz="914400" rtl="0" eaLnBrk="1" fontAlgn="base" latinLnBrk="0" hangingPunct="1">
+              <a:lnSpc>
+                <a:spcPct val="150000"/>
+              </a:lnSpc>
+              <a:spcBef>
+                <a:spcPct val="0"/>
+              </a:spcBef>
+              <a:spcAft>
+                <a:spcPct val="0"/>
+              </a:spcAft>
+              <a:buClrTx/>
+              <a:buSzTx/>
+              <a:buFont typeface="Arial" panose="020B0604020202090204" pitchFamily="34" charset="0"/>
+              <a:buNone/>
+              <a:defRPr/>
+            </a:pPr>
+            <a:endParaRPr kumimoji="0" lang="zh-CN" altLang="en-US" sz="2800" b="0" i="0" u="none" strike="noStrike" kern="1200" cap="none" spc="0" normalizeH="0" baseline="0" noProof="0" dirty="0" smtClean="0">
+              <a:ln>
+                <a:noFill/>
+              </a:ln>
+              <a:solidFill>
+                <a:srgbClr val="00A0D7"/>
+              </a:solidFill>
+              <a:effectLst/>
+              <a:uLnTx/>
+              <a:uFillTx/>
+              <a:latin typeface="Arial" panose="020B0604020202090204" pitchFamily="34" charset="0"/>
+              <a:ea typeface="微软雅黑" panose="020B0503020204020204" pitchFamily="34" charset="-122"/>
+              <a:cs typeface="+mn-cs"/>
+            </a:endParaRPr>
+          </a:p>
+        </p:txBody>
+      </p:sp>
+      <p:pic>
+        <p:nvPicPr>
+          <p:cNvPr id="5" name="图片 4"/>
+          <p:cNvPicPr>
+            <a:picLocks noChangeAspect="1"/>
+          </p:cNvPicPr>
+          <p:nvPr/>
+        </p:nvPicPr>
+        <p:blipFill>
+          <a:blip r:embed="rId3"/>
+          <a:stretch>
+            <a:fillRect/>
+          </a:stretch>
+        </p:blipFill>
+        <p:spPr>
+          <a:xfrm>
+            <a:off x="2434590" y="1473200"/>
+            <a:ext cx="6667500" cy="5191125"/>
+          </a:xfrm>
+          <a:prstGeom prst="rect">
+            <a:avLst/>
+          </a:prstGeom>
+        </p:spPr>
+      </p:pic>
+    </p:spTree>
+  </p:cSld>
+  <p:clrMapOvr>
+    <a:masterClrMapping/>
+  </p:clrMapOvr>
+  <p:transition>
+    <p:wedge/>
+  </p:transition>
+  <p:timing>
+    <p:tnLst>
+      <p:par>
+        <p:cTn id="1" dur="indefinite" restart="never" nodeType="tmRoot"/>
+      </p:par>
+    </p:tnLst>
+  </p:timing>
+</p:sld>
+</file>
+
+<file path=ppt/slides/slide17.xml><?xml version="1.0" encoding="utf-8"?>
+<p:sld xmlns:a="http://schemas.openxmlformats.org/drawingml/2006/main" xmlns:r="http://schemas.openxmlformats.org/officeDocument/2006/relationships" xmlns:p="http://schemas.openxmlformats.org/presentationml/2006/main">
+  <p:cSld>
+    <p:spTree>
+      <p:nvGrpSpPr>
+        <p:cNvPr id="1" name=""/>
+        <p:cNvGrpSpPr/>
+        <p:nvPr/>
+      </p:nvGrpSpPr>
+      <p:grpSpPr>
+        <a:xfrm>
+          <a:off x="0" y="0"/>
+          <a:ext cx="0" cy="0"/>
+          <a:chOff x="0" y="0"/>
+          <a:chExt cx="0" cy="0"/>
+        </a:xfrm>
+      </p:grpSpPr>
+      <p:sp>
+        <p:nvSpPr>
+          <p:cNvPr id="2051" name="Text Box 4"/>
+          <p:cNvSpPr txBox="1">
+            <a:spLocks noChangeArrowheads="1"/>
+          </p:cNvSpPr>
+          <p:nvPr/>
+        </p:nvSpPr>
+        <p:spPr bwMode="auto">
+          <a:xfrm>
+            <a:off x="4492625" y="6824663"/>
+            <a:ext cx="3236913" cy="304800"/>
+          </a:xfrm>
+          <a:prstGeom prst="rect">
+            <a:avLst/>
+          </a:prstGeom>
+          <a:noFill/>
+          <a:ln w="9525">
+            <a:noFill/>
+            <a:miter lim="800000"/>
+          </a:ln>
+        </p:spPr>
+        <p:txBody>
+          <a:bodyPr lIns="93315" tIns="46657" rIns="93315" bIns="46657">
+            <a:spAutoFit/>
+          </a:bodyPr>
+          <a:lstStyle/>
+          <a:p>
+            <a:pPr marL="0" marR="0" lvl="0" indent="0" algn="l" defTabSz="914400" rtl="0" eaLnBrk="1" fontAlgn="base" latinLnBrk="0" hangingPunct="1">
+              <a:lnSpc>
+                <a:spcPct val="100000"/>
+              </a:lnSpc>
+              <a:spcBef>
+                <a:spcPct val="0"/>
+              </a:spcBef>
+              <a:spcAft>
+                <a:spcPct val="0"/>
+              </a:spcAft>
+              <a:buClrTx/>
+              <a:buSzTx/>
+              <a:buFont typeface="Arial" panose="020B0604020202090204" pitchFamily="34" charset="0"/>
+              <a:buNone/>
+              <a:defRPr/>
+            </a:pPr>
+            <a:r>
+              <a:rPr kumimoji="0" lang="zh-CN" altLang="en-US" sz="1300" b="0" i="0" u="none" strike="noStrike" kern="1200" cap="none" spc="0" normalizeH="0" baseline="0" noProof="0">
+                <a:ln>
+                  <a:noFill/>
+                </a:ln>
+                <a:solidFill>
+                  <a:srgbClr val="FFFFFF"/>
+                </a:solidFill>
+                <a:effectLst/>
+                <a:uLnTx/>
+                <a:uFillTx/>
+                <a:latin typeface="微软雅黑" panose="020B0503020204020204" pitchFamily="34" charset="-122"/>
+                <a:ea typeface="微软雅黑" panose="020B0503020204020204" pitchFamily="34" charset="-122"/>
+                <a:cs typeface="+mn-cs"/>
+              </a:rPr>
+              <a:t>哔哩哔哩 </a:t>
+            </a:r>
+            <a:r>
+              <a:rPr kumimoji="0" lang="zh-CN" altLang="zh-CN" sz="1300" b="0" i="0" u="none" strike="noStrike" kern="1200" cap="none" spc="0" normalizeH="0" baseline="0" noProof="0">
+                <a:ln>
+                  <a:noFill/>
+                </a:ln>
+                <a:solidFill>
+                  <a:srgbClr val="FFFFFF"/>
+                </a:solidFill>
+                <a:effectLst/>
+                <a:uLnTx/>
+                <a:uFillTx/>
+                <a:latin typeface="微软雅黑" panose="020B0503020204020204" pitchFamily="34" charset="-122"/>
+                <a:ea typeface="微软雅黑" panose="020B0503020204020204" pitchFamily="34" charset="-122"/>
+                <a:cs typeface="+mn-cs"/>
+              </a:rPr>
+              <a:t>- ( </a:t>
+            </a:r>
+            <a:r>
+              <a:rPr kumimoji="0" lang="zh-CN" altLang="en-US" sz="1300" b="0" i="0" u="none" strike="noStrike" kern="1200" cap="none" spc="0" normalizeH="0" baseline="0" noProof="0">
+                <a:ln>
+                  <a:noFill/>
+                </a:ln>
+                <a:solidFill>
+                  <a:srgbClr val="FFFFFF"/>
+                </a:solidFill>
+                <a:effectLst/>
+                <a:uLnTx/>
+                <a:uFillTx/>
+                <a:latin typeface="微软雅黑" panose="020B0503020204020204" pitchFamily="34" charset="-122"/>
+                <a:ea typeface="微软雅黑" panose="020B0503020204020204" pitchFamily="34" charset="-122"/>
+                <a:cs typeface="+mn-cs"/>
+              </a:rPr>
+              <a:t>゜</a:t>
+            </a:r>
+            <a:r>
+              <a:rPr kumimoji="0" lang="zh-CN" altLang="zh-CN" sz="1300" b="0" i="0" u="none" strike="noStrike" kern="1200" cap="none" spc="0" normalizeH="0" baseline="0" noProof="0">
+                <a:ln>
+                  <a:noFill/>
+                </a:ln>
+                <a:solidFill>
+                  <a:srgbClr val="FFFFFF"/>
+                </a:solidFill>
+                <a:effectLst/>
+                <a:uLnTx/>
+                <a:uFillTx/>
+                <a:latin typeface="微软雅黑" panose="020B0503020204020204" pitchFamily="34" charset="-122"/>
+                <a:ea typeface="微软雅黑" panose="020B0503020204020204" pitchFamily="34" charset="-122"/>
+                <a:cs typeface="+mn-cs"/>
+              </a:rPr>
+              <a:t>- </a:t>
+            </a:r>
+            <a:r>
+              <a:rPr kumimoji="0" lang="zh-CN" altLang="en-US" sz="1300" b="0" i="0" u="none" strike="noStrike" kern="1200" cap="none" spc="0" normalizeH="0" baseline="0" noProof="0">
+                <a:ln>
+                  <a:noFill/>
+                </a:ln>
+                <a:solidFill>
+                  <a:srgbClr val="FFFFFF"/>
+                </a:solidFill>
+                <a:effectLst/>
+                <a:uLnTx/>
+                <a:uFillTx/>
+                <a:latin typeface="微软雅黑" panose="020B0503020204020204" pitchFamily="34" charset="-122"/>
+                <a:ea typeface="微软雅黑" panose="020B0503020204020204" pitchFamily="34" charset="-122"/>
+                <a:cs typeface="+mn-cs"/>
+              </a:rPr>
+              <a:t>゜</a:t>
+            </a:r>
+            <a:r>
+              <a:rPr kumimoji="0" lang="zh-CN" altLang="zh-CN" sz="1300" b="0" i="0" u="none" strike="noStrike" kern="1200" cap="none" spc="0" normalizeH="0" baseline="0" noProof="0">
+                <a:ln>
+                  <a:noFill/>
+                </a:ln>
+                <a:solidFill>
+                  <a:srgbClr val="FFFFFF"/>
+                </a:solidFill>
+                <a:effectLst/>
+                <a:uLnTx/>
+                <a:uFillTx/>
+                <a:latin typeface="微软雅黑" panose="020B0503020204020204" pitchFamily="34" charset="-122"/>
+                <a:ea typeface="微软雅黑" panose="020B0503020204020204" pitchFamily="34" charset="-122"/>
+                <a:cs typeface="+mn-cs"/>
+              </a:rPr>
+              <a:t>)</a:t>
+            </a:r>
+            <a:r>
+              <a:rPr kumimoji="0" lang="zh-CN" altLang="en-US" sz="1300" b="0" i="0" u="none" strike="noStrike" kern="1200" cap="none" spc="0" normalizeH="0" baseline="0" noProof="0">
+                <a:ln>
+                  <a:noFill/>
+                </a:ln>
+                <a:solidFill>
+                  <a:srgbClr val="FFFFFF"/>
+                </a:solidFill>
+                <a:effectLst/>
+                <a:uLnTx/>
+                <a:uFillTx/>
+                <a:latin typeface="微软雅黑" panose="020B0503020204020204" pitchFamily="34" charset="-122"/>
+                <a:ea typeface="微软雅黑" panose="020B0503020204020204" pitchFamily="34" charset="-122"/>
+                <a:cs typeface="+mn-cs"/>
+              </a:rPr>
+              <a:t>つロ  乾杯</a:t>
+            </a:r>
+            <a:r>
+              <a:rPr kumimoji="0" lang="zh-CN" altLang="zh-CN" sz="1300" b="0" i="0" u="none" strike="noStrike" kern="1200" cap="none" spc="0" normalizeH="0" baseline="0" noProof="0">
+                <a:ln>
+                  <a:noFill/>
+                </a:ln>
+                <a:solidFill>
+                  <a:srgbClr val="FFFFFF"/>
+                </a:solidFill>
+                <a:effectLst/>
+                <a:uLnTx/>
+                <a:uFillTx/>
+                <a:latin typeface="微软雅黑" panose="020B0503020204020204" pitchFamily="34" charset="-122"/>
+                <a:ea typeface="微软雅黑" panose="020B0503020204020204" pitchFamily="34" charset="-122"/>
+                <a:cs typeface="+mn-cs"/>
+              </a:rPr>
+              <a:t>~  - bilibili</a:t>
+            </a:r>
+            <a:endParaRPr kumimoji="0" lang="zh-CN" altLang="zh-CN" sz="1300" b="0" i="0" u="none" strike="noStrike" kern="1200" cap="none" spc="0" normalizeH="0" baseline="0" noProof="0">
+              <a:ln>
+                <a:noFill/>
+              </a:ln>
+              <a:solidFill>
+                <a:srgbClr val="FFFFFF"/>
+              </a:solidFill>
+              <a:effectLst/>
+              <a:uLnTx/>
+              <a:uFillTx/>
+              <a:latin typeface="微软雅黑" panose="020B0503020204020204" pitchFamily="34" charset="-122"/>
+              <a:ea typeface="微软雅黑" panose="020B0503020204020204" pitchFamily="34" charset="-122"/>
+              <a:cs typeface="+mn-cs"/>
+            </a:endParaRPr>
+          </a:p>
+        </p:txBody>
+      </p:sp>
+      <p:pic>
+        <p:nvPicPr>
+          <p:cNvPr id="2052" name="Picture 5" descr="pic01"/>
+          <p:cNvPicPr>
+            <a:picLocks noChangeAspect="1" noChangeArrowheads="1"/>
+          </p:cNvPicPr>
+          <p:nvPr/>
+        </p:nvPicPr>
+        <p:blipFill>
+          <a:blip r:embed="rId1"/>
+          <a:srcRect/>
+          <a:stretch>
+            <a:fillRect/>
+          </a:stretch>
+        </p:blipFill>
+        <p:spPr bwMode="auto">
+          <a:xfrm>
+            <a:off x="3175" y="-187138"/>
+            <a:ext cx="12238038" cy="1911350"/>
+          </a:xfrm>
+          <a:prstGeom prst="rect">
+            <a:avLst/>
+          </a:prstGeom>
+          <a:noFill/>
+          <a:ln w="9525">
+            <a:noFill/>
+            <a:miter lim="800000"/>
+            <a:headEnd/>
+            <a:tailEnd/>
+          </a:ln>
+        </p:spPr>
+      </p:pic>
+      <p:pic>
+        <p:nvPicPr>
+          <p:cNvPr id="2053" name="Picture 6" descr="pic02"/>
+          <p:cNvPicPr>
+            <a:picLocks noChangeAspect="1" noChangeArrowheads="1"/>
+          </p:cNvPicPr>
+          <p:nvPr/>
+        </p:nvPicPr>
+        <p:blipFill>
+          <a:blip r:embed="rId2"/>
+          <a:srcRect/>
+          <a:stretch>
+            <a:fillRect/>
+          </a:stretch>
+        </p:blipFill>
+        <p:spPr bwMode="auto">
+          <a:xfrm>
+            <a:off x="3175" y="5672138"/>
+            <a:ext cx="12241213" cy="1528762"/>
+          </a:xfrm>
+          <a:prstGeom prst="rect">
+            <a:avLst/>
+          </a:prstGeom>
+          <a:noFill/>
+          <a:ln w="9525">
+            <a:noFill/>
+            <a:miter lim="800000"/>
+            <a:headEnd/>
+            <a:tailEnd/>
+          </a:ln>
+        </p:spPr>
+      </p:pic>
+      <p:sp>
+        <p:nvSpPr>
+          <p:cNvPr id="3" name="文本框 2"/>
+          <p:cNvSpPr txBox="1"/>
+          <p:nvPr/>
+        </p:nvSpPr>
+        <p:spPr bwMode="auto">
+          <a:xfrm>
+            <a:off x="340660" y="5880852"/>
+            <a:ext cx="5719482" cy="540501"/>
+          </a:xfrm>
+          <a:prstGeom prst="rect">
+            <a:avLst/>
+          </a:prstGeom>
+          <a:noFill/>
+          <a:ln w="9525">
+            <a:noFill/>
+            <a:miter lim="800000"/>
+          </a:ln>
+        </p:spPr>
+        <p:txBody>
+          <a:bodyPr wrap="square" lIns="93315" tIns="46657" rIns="93315" bIns="46657" rtlCol="0">
+            <a:spAutoFit/>
+          </a:bodyPr>
+          <a:lstStyle/>
+          <a:p>
+            <a:endParaRPr lang="zh-CN" altLang="en-US" sz="2900" i="1" u="sng" dirty="0">
+              <a:solidFill>
+                <a:srgbClr val="FF0000"/>
+              </a:solidFill>
+              <a:latin typeface="微软雅黑" panose="020B0503020204020204" pitchFamily="34" charset="-122"/>
+              <a:ea typeface="微软雅黑" panose="020B0503020204020204" pitchFamily="34" charset="-122"/>
+            </a:endParaRPr>
+          </a:p>
+        </p:txBody>
+      </p:sp>
+      <p:sp>
+        <p:nvSpPr>
+          <p:cNvPr id="2050" name="Text Box 2"/>
+          <p:cNvSpPr txBox="1">
+            <a:spLocks noChangeArrowheads="1"/>
+          </p:cNvSpPr>
+          <p:nvPr/>
+        </p:nvSpPr>
+        <p:spPr bwMode="auto">
+          <a:xfrm>
             <a:off x="3175" y="440055"/>
             <a:ext cx="3636010" cy="1569720"/>
           </a:xfrm>
@@ -10062,7 +11799,7 @@
 </p:sld>
 </file>
 
-<file path=ppt/slides/slide16.xml><?xml version="1.0" encoding="utf-8"?>
+<file path=ppt/slides/slide18.xml><?xml version="1.0" encoding="utf-8"?>
 <p:sld xmlns:a="http://schemas.openxmlformats.org/drawingml/2006/main" xmlns:r="http://schemas.openxmlformats.org/officeDocument/2006/relationships" xmlns:p="http://schemas.openxmlformats.org/presentationml/2006/main">
   <p:cSld>
     <p:bg>

--- a/lbj/MUBAN.pptx
+++ b/lbj/MUBAN.pptx
@@ -166,7 +166,6 @@
           <p14:sldIdLst>
             <p14:sldId id="706"/>
             <p14:sldId id="393"/>
-            <p14:sldId id="784"/>
             <p14:sldId id="779"/>
             <p14:sldId id="789"/>
             <p14:sldId id="788"/>
@@ -175,13 +174,14 @@
             <p14:sldId id="791"/>
             <p14:sldId id="783"/>
             <p14:sldId id="787"/>
-            <p14:sldId id="786"/>
             <p14:sldId id="794"/>
             <p14:sldId id="792"/>
+            <p14:sldId id="803"/>
+            <p14:sldId id="801"/>
             <p14:sldId id="796"/>
-            <p14:sldId id="801"/>
+            <p14:sldId id="786"/>
+            <p14:sldId id="784"/>
             <p14:sldId id="800"/>
-            <p14:sldId id="803"/>
           </p14:sldIdLst>
         </p14:section>
         <p14:section name="默认节" id="{F9BF88E2-D508-E34C-8F46-83BB6E9AC942}">
@@ -9769,7 +9769,7 @@
         <p:spPr bwMode="auto">
           <a:xfrm>
             <a:off x="809625" y="1724025"/>
-            <a:ext cx="9572625" cy="2862580"/>
+            <a:ext cx="9572625" cy="3785870"/>
           </a:xfrm>
           <a:prstGeom prst="rect">
             <a:avLst/>
@@ -9818,6 +9818,23 @@
               </a:rPr>
               <a:t>共享(s)和独占锁(x)：</a:t>
             </a:r>
+            <a:r>
+              <a:rPr kumimoji="0" lang="en-US" altLang="zh-CN" sz="2000" b="0" i="0" u="none" strike="noStrike" kern="1200" cap="none" spc="0" normalizeH="0" baseline="0" noProof="0" dirty="0" smtClean="0">
+                <a:ln>
+                  <a:noFill/>
+                </a:ln>
+                <a:solidFill>
+                  <a:srgbClr val="00A0D7"/>
+                </a:solidFill>
+                <a:effectLst/>
+                <a:uLnTx/>
+                <a:uFillTx/>
+                <a:latin typeface="Arial" panose="020B0604020202090204" pitchFamily="34" charset="0"/>
+                <a:ea typeface="微软雅黑" panose="020B0503020204020204" pitchFamily="34" charset="-122"/>
+                <a:cs typeface="+mn-cs"/>
+              </a:rPr>
+              <a:t>select ... for update , select .. lock in share mode</a:t>
+            </a:r>
             <a:endParaRPr kumimoji="0" lang="zh-CN" altLang="en-US" sz="2000" b="0" i="0" u="none" strike="noStrike" kern="1200" cap="none" spc="0" normalizeH="0" baseline="0" noProof="0" dirty="0" smtClean="0">
               <a:ln>
                 <a:noFill/>
@@ -9850,23 +9867,6 @@
               <a:buNone/>
               <a:defRPr/>
             </a:pPr>
-            <a:r>
-              <a:rPr kumimoji="0" lang="zh-CN" altLang="en-US" sz="2000" b="0" i="0" u="none" strike="noStrike" kern="1200" cap="none" spc="0" normalizeH="0" baseline="0" noProof="0" dirty="0" smtClean="0">
-                <a:ln>
-                  <a:noFill/>
-                </a:ln>
-                <a:solidFill>
-                  <a:srgbClr val="00A0D7"/>
-                </a:solidFill>
-                <a:effectLst/>
-                <a:uLnTx/>
-                <a:uFillTx/>
-                <a:latin typeface="Arial" panose="020B0604020202090204" pitchFamily="34" charset="0"/>
-                <a:ea typeface="微软雅黑" panose="020B0503020204020204" pitchFamily="34" charset="-122"/>
-                <a:cs typeface="+mn-cs"/>
-              </a:rPr>
-              <a:t>意向锁：</a:t>
-            </a:r>
             <a:endParaRPr kumimoji="0" lang="zh-CN" altLang="en-US" sz="2000" b="0" i="0" u="none" strike="noStrike" kern="1200" cap="none" spc="0" normalizeH="0" baseline="0" noProof="0" dirty="0" smtClean="0">
               <a:ln>
                 <a:noFill/>
@@ -9914,7 +9914,7 @@
                 <a:ea typeface="微软雅黑" panose="020B0503020204020204" pitchFamily="34" charset="-122"/>
                 <a:cs typeface="+mn-cs"/>
               </a:rPr>
-              <a:t>记录锁：</a:t>
+              <a:t>意向锁：</a:t>
             </a:r>
             <a:endParaRPr kumimoji="0" lang="zh-CN" altLang="en-US" sz="2000" b="0" i="0" u="none" strike="noStrike" kern="1200" cap="none" spc="0" normalizeH="0" baseline="0" noProof="0" dirty="0" smtClean="0">
               <a:ln>
@@ -9963,7 +9963,122 @@
                 <a:ea typeface="微软雅黑" panose="020B0503020204020204" pitchFamily="34" charset="-122"/>
                 <a:cs typeface="+mn-cs"/>
               </a:rPr>
+              <a:t>记录锁：</a:t>
+            </a:r>
+            <a:endParaRPr kumimoji="0" lang="zh-CN" altLang="en-US" sz="2000" b="0" i="0" u="none" strike="noStrike" kern="1200" cap="none" spc="0" normalizeH="0" baseline="0" noProof="0" dirty="0" smtClean="0">
+              <a:ln>
+                <a:noFill/>
+              </a:ln>
+              <a:solidFill>
+                <a:srgbClr val="00A0D7"/>
+              </a:solidFill>
+              <a:effectLst/>
+              <a:uLnTx/>
+              <a:uFillTx/>
+              <a:latin typeface="Arial" panose="020B0604020202090204" pitchFamily="34" charset="0"/>
+              <a:ea typeface="微软雅黑" panose="020B0503020204020204" pitchFamily="34" charset="-122"/>
+              <a:cs typeface="+mn-cs"/>
+            </a:endParaRPr>
+          </a:p>
+          <a:p>
+            <a:pPr marL="0" marR="0" lvl="0" indent="0" algn="l" defTabSz="914400" rtl="0" eaLnBrk="1" fontAlgn="base" latinLnBrk="0" hangingPunct="1">
+              <a:lnSpc>
+                <a:spcPct val="150000"/>
+              </a:lnSpc>
+              <a:spcBef>
+                <a:spcPct val="0"/>
+              </a:spcBef>
+              <a:spcAft>
+                <a:spcPct val="0"/>
+              </a:spcAft>
+              <a:buClrTx/>
+              <a:buSzTx/>
+              <a:buFont typeface="Arial" panose="020B0604020202090204" pitchFamily="34" charset="0"/>
+              <a:buNone/>
+              <a:defRPr/>
+            </a:pPr>
+            <a:r>
+              <a:rPr kumimoji="0" lang="zh-CN" altLang="en-US" sz="2000" b="0" i="0" u="none" strike="noStrike" kern="1200" cap="none" spc="0" normalizeH="0" baseline="0" noProof="0" dirty="0" smtClean="0">
+                <a:ln>
+                  <a:noFill/>
+                </a:ln>
+                <a:solidFill>
+                  <a:srgbClr val="00A0D7"/>
+                </a:solidFill>
+                <a:effectLst/>
+                <a:uLnTx/>
+                <a:uFillTx/>
+                <a:latin typeface="Arial" panose="020B0604020202090204" pitchFamily="34" charset="0"/>
+                <a:ea typeface="微软雅黑" panose="020B0503020204020204" pitchFamily="34" charset="-122"/>
+                <a:cs typeface="+mn-cs"/>
+              </a:rPr>
               <a:t>间隙锁：</a:t>
+            </a:r>
+            <a:endParaRPr kumimoji="0" lang="zh-CN" altLang="en-US" sz="2000" b="0" i="0" u="none" strike="noStrike" kern="1200" cap="none" spc="0" normalizeH="0" baseline="0" noProof="0" dirty="0" smtClean="0">
+              <a:ln>
+                <a:noFill/>
+              </a:ln>
+              <a:solidFill>
+                <a:srgbClr val="00A0D7"/>
+              </a:solidFill>
+              <a:effectLst/>
+              <a:uLnTx/>
+              <a:uFillTx/>
+              <a:latin typeface="Arial" panose="020B0604020202090204" pitchFamily="34" charset="0"/>
+              <a:ea typeface="微软雅黑" panose="020B0503020204020204" pitchFamily="34" charset="-122"/>
+              <a:cs typeface="+mn-cs"/>
+            </a:endParaRPr>
+          </a:p>
+          <a:p>
+            <a:pPr marL="0" marR="0" lvl="0" indent="0" algn="l" defTabSz="914400" rtl="0" eaLnBrk="1" fontAlgn="base" latinLnBrk="0" hangingPunct="1">
+              <a:lnSpc>
+                <a:spcPct val="150000"/>
+              </a:lnSpc>
+              <a:spcBef>
+                <a:spcPct val="0"/>
+              </a:spcBef>
+              <a:spcAft>
+                <a:spcPct val="0"/>
+              </a:spcAft>
+              <a:buClrTx/>
+              <a:buSzTx/>
+              <a:buFont typeface="Arial" panose="020B0604020202090204" pitchFamily="34" charset="0"/>
+              <a:buNone/>
+              <a:defRPr/>
+            </a:pPr>
+            <a:r>
+              <a:rPr kumimoji="0" lang="en-US" altLang="zh-CN" sz="2000" b="0" i="0" u="none" strike="noStrike" kern="1200" cap="none" spc="0" normalizeH="0" baseline="0" noProof="0" dirty="0" smtClean="0">
+                <a:ln>
+                  <a:noFill/>
+                </a:ln>
+                <a:solidFill>
+                  <a:srgbClr val="00A0D7"/>
+                </a:solidFill>
+                <a:effectLst/>
+                <a:uLnTx/>
+                <a:uFillTx/>
+                <a:latin typeface="Arial" panose="020B0604020202090204" pitchFamily="34" charset="0"/>
+                <a:ea typeface="微软雅黑" panose="020B0503020204020204" pitchFamily="34" charset="-122"/>
+                <a:cs typeface="+mn-cs"/>
+              </a:rPr>
+              <a:t>next-key</a:t>
+            </a:r>
+            <a:r>
+              <a:rPr kumimoji="0" lang="zh-CN" altLang="en-US" sz="2000" b="0" i="0" u="none" strike="noStrike" kern="1200" cap="none" spc="0" normalizeH="0" baseline="0" noProof="0" dirty="0" smtClean="0">
+                <a:ln>
+                  <a:noFill/>
+                </a:ln>
+                <a:solidFill>
+                  <a:srgbClr val="00A0D7"/>
+                </a:solidFill>
+                <a:effectLst/>
+                <a:uLnTx/>
+                <a:uFillTx/>
+                <a:latin typeface="Arial" panose="020B0604020202090204" pitchFamily="34" charset="0"/>
+                <a:ea typeface="微软雅黑" panose="020B0503020204020204" pitchFamily="34" charset="-122"/>
+                <a:cs typeface="+mn-cs"/>
+              </a:rPr>
+              <a:t>锁：</a:t>
             </a:r>
             <a:endParaRPr kumimoji="0" lang="zh-CN" altLang="en-US" sz="2000" b="0" i="0" u="none" strike="noStrike" kern="1200" cap="none" spc="0" normalizeH="0" baseline="0" noProof="0" dirty="0" smtClean="0">
               <a:ln>
@@ -10097,8 +10212,32 @@
         </p:blipFill>
         <p:spPr>
           <a:xfrm>
-            <a:off x="3693160" y="2108200"/>
+            <a:off x="4374515" y="2327910"/>
             <a:ext cx="4533900" cy="1749425"/>
+          </a:xfrm>
+          <a:prstGeom prst="rect">
+            <a:avLst/>
+          </a:prstGeom>
+        </p:spPr>
+      </p:pic>
+      <p:pic>
+        <p:nvPicPr>
+          <p:cNvPr id="8" name="图片 7"/>
+          <p:cNvPicPr>
+            <a:picLocks noChangeAspect="1"/>
+          </p:cNvPicPr>
+          <p:nvPr/>
+        </p:nvPicPr>
+        <p:blipFill>
+          <a:blip r:embed="rId4"/>
+          <a:stretch>
+            <a:fillRect/>
+          </a:stretch>
+        </p:blipFill>
+        <p:spPr>
+          <a:xfrm>
+            <a:off x="4264025" y="4188460"/>
+            <a:ext cx="4876800" cy="1581150"/>
           </a:xfrm>
           <a:prstGeom prst="rect">
             <a:avLst/>
